--- a/02.PPT/Ch1-绪论/C++1_2.pptx
+++ b/02.PPT/Ch1-绪论/C++1_2.pptx
@@ -6,10 +6,10 @@
     <p:sldMasterId id="2147483660" r:id="rId2"/>
   </p:sldMasterIdLst>
   <p:notesMasterIdLst>
-    <p:notesMasterId r:id="rId28"/>
+    <p:notesMasterId r:id="rId29"/>
   </p:notesMasterIdLst>
   <p:handoutMasterIdLst>
-    <p:handoutMasterId r:id="rId29"/>
+    <p:handoutMasterId r:id="rId30"/>
   </p:handoutMasterIdLst>
   <p:sldIdLst>
     <p:sldId id="588" r:id="rId3"/>
@@ -20,23 +20,24 @@
     <p:sldId id="748" r:id="rId8"/>
     <p:sldId id="749" r:id="rId9"/>
     <p:sldId id="750" r:id="rId10"/>
-    <p:sldId id="751" r:id="rId11"/>
-    <p:sldId id="752" r:id="rId12"/>
-    <p:sldId id="754" r:id="rId13"/>
-    <p:sldId id="753" r:id="rId14"/>
-    <p:sldId id="757" r:id="rId15"/>
-    <p:sldId id="758" r:id="rId16"/>
-    <p:sldId id="759" r:id="rId17"/>
-    <p:sldId id="760" r:id="rId18"/>
-    <p:sldId id="763" r:id="rId19"/>
-    <p:sldId id="761" r:id="rId20"/>
-    <p:sldId id="764" r:id="rId21"/>
-    <p:sldId id="765" r:id="rId22"/>
-    <p:sldId id="766" r:id="rId23"/>
-    <p:sldId id="767" r:id="rId24"/>
-    <p:sldId id="768" r:id="rId25"/>
-    <p:sldId id="769" r:id="rId26"/>
-    <p:sldId id="770" r:id="rId27"/>
+    <p:sldId id="771" r:id="rId11"/>
+    <p:sldId id="751" r:id="rId12"/>
+    <p:sldId id="752" r:id="rId13"/>
+    <p:sldId id="754" r:id="rId14"/>
+    <p:sldId id="753" r:id="rId15"/>
+    <p:sldId id="757" r:id="rId16"/>
+    <p:sldId id="758" r:id="rId17"/>
+    <p:sldId id="759" r:id="rId18"/>
+    <p:sldId id="760" r:id="rId19"/>
+    <p:sldId id="763" r:id="rId20"/>
+    <p:sldId id="761" r:id="rId21"/>
+    <p:sldId id="764" r:id="rId22"/>
+    <p:sldId id="765" r:id="rId23"/>
+    <p:sldId id="766" r:id="rId24"/>
+    <p:sldId id="767" r:id="rId25"/>
+    <p:sldId id="768" r:id="rId26"/>
+    <p:sldId id="769" r:id="rId27"/>
+    <p:sldId id="770" r:id="rId28"/>
   </p:sldIdLst>
   <p:sldSz cx="9144000" cy="6858000" type="screen4x3"/>
   <p:notesSz cx="6743700" cy="9906000"/>
@@ -1018,15 +1019,99 @@
           <a:lstStyle/>
           <a:p>
             <a:r>
-              <a:rPr lang="zh-CN" altLang="en-US">
+              <a:rPr lang="zh-CN" altLang="en-US" dirty="0">
                 <a:sym typeface="+mn-ea"/>
               </a:rPr>
-              <a:t>Ritchie的主要目标是生成一种易于编译的简约语言，允许有效访问内存，生成高效代码，并且是独立的（不依赖于其他程序）。对于高级语言，它旨在为程序员提供大量控制，同时仍然鼓励平台（硬件和操作系统）独立（不必为每个平台重写代码）。</a:t>
-            </a:r>
-            <a:endParaRPr lang="zh-CN" altLang="en-US"/>
-          </a:p>
-          <a:p>
-            <a:endParaRPr lang="zh-CN" altLang="en-US"/>
+              <a:t>Ritchie的主要目标是生成一种易于编译的简约语言，允许有效访问内存，生成高效代码，并且是独立的（不依赖于其他程序）。对于高级语言，它旨在为程序员提供大量控制，同时仍然鼓励平台（硬件和操作系统）独立（不必为每个平台重写代码）</a:t>
+            </a:r>
+            <a:r>
+              <a:rPr lang="zh-CN" altLang="en-US" dirty="0" smtClean="0">
+                <a:sym typeface="+mn-ea"/>
+              </a:rPr>
+              <a:t>。</a:t>
+            </a:r>
+            <a:endParaRPr lang="en-US" altLang="zh-CN" dirty="0" smtClean="0">
+              <a:sym typeface="+mn-ea"/>
+            </a:endParaRPr>
+          </a:p>
+          <a:p>
+            <a:pPr marL="0" marR="0" lvl="0" indent="0" algn="l" defTabSz="914400" rtl="0" eaLnBrk="0" fontAlgn="base" latinLnBrk="0" hangingPunct="0">
+              <a:lnSpc>
+                <a:spcPct val="100000"/>
+              </a:lnSpc>
+              <a:spcBef>
+                <a:spcPct val="30000"/>
+              </a:spcBef>
+              <a:spcAft>
+                <a:spcPct val="0"/>
+              </a:spcAft>
+              <a:buClrTx/>
+              <a:buSzTx/>
+              <a:buFontTx/>
+              <a:buNone/>
+              <a:tabLst/>
+              <a:defRPr/>
+            </a:pPr>
+            <a:endParaRPr lang="en-US" altLang="zh-CN" dirty="0" smtClean="0"/>
+          </a:p>
+          <a:p>
+            <a:pPr marL="0" marR="0" lvl="0" indent="0" algn="l" defTabSz="914400" rtl="0" eaLnBrk="0" fontAlgn="base" latinLnBrk="0" hangingPunct="0">
+              <a:lnSpc>
+                <a:spcPct val="100000"/>
+              </a:lnSpc>
+              <a:spcBef>
+                <a:spcPct val="30000"/>
+              </a:spcBef>
+              <a:spcAft>
+                <a:spcPct val="0"/>
+              </a:spcAft>
+              <a:buClrTx/>
+              <a:buSzTx/>
+              <a:buFontTx/>
+              <a:buNone/>
+              <a:tabLst/>
+              <a:defRPr/>
+            </a:pPr>
+            <a:r>
+              <a:rPr lang="zh-CN" altLang="en-US" dirty="0" smtClean="0"/>
+              <a:t>与仅生成只能在特定CPU上运行的程序的程序集不同，C具有出色的可移植性，允许在许多不同类型的计算机上轻松地重新编译UNIX并加速其采用。</a:t>
+            </a:r>
+          </a:p>
+          <a:p>
+            <a:endParaRPr lang="en-US" altLang="zh-CN" dirty="0" smtClean="0">
+              <a:sym typeface="+mn-ea"/>
+            </a:endParaRPr>
+          </a:p>
+          <a:p>
+            <a:endParaRPr lang="en-US" altLang="zh-CN" dirty="0" smtClean="0">
+              <a:sym typeface="+mn-ea"/>
+            </a:endParaRPr>
+          </a:p>
+          <a:p>
+            <a:endParaRPr lang="en-US" altLang="zh-CN" dirty="0" smtClean="0">
+              <a:sym typeface="+mn-ea"/>
+            </a:endParaRPr>
+          </a:p>
+          <a:p>
+            <a:r>
+              <a:rPr lang="zh-CN" altLang="en-US" dirty="0" smtClean="0"/>
+              <a:t>1983年，美国国家标准协会（ANSI）成立了一个委员会来建立C的正式标准。在1989年（委员会永远做任何事情），他们完成并发布了C89标准，通常称为ANSI C. 1990年，国际标准化组织（ISO）采用了ANSI C（稍作修改）。这个版本的C被称为C90。编译器最终符合ANSI C / C90标准，并且希望最大可移植性的程序被编码为此标准。</a:t>
+            </a:r>
+          </a:p>
+          <a:p>
+            <a:endParaRPr lang="zh-CN" altLang="en-US" dirty="0" smtClean="0"/>
+          </a:p>
+          <a:p>
+            <a:r>
+              <a:rPr lang="zh-CN" altLang="en-US" dirty="0" smtClean="0"/>
+              <a:t>1999年，ANSI委员会发布了一个名为C99的新版C语言。C99采用了许多功能，这些功能已经作为扩展进入编译器，或者已经在C ++中实现。</a:t>
+            </a:r>
+          </a:p>
+          <a:p>
+            <a:endParaRPr lang="zh-CN" altLang="en-US" dirty="0"/>
+          </a:p>
+          <a:p>
+            <a:endParaRPr lang="zh-CN" altLang="en-US" dirty="0"/>
           </a:p>
         </p:txBody>
       </p:sp>
@@ -1247,12 +1332,41 @@
           <a:lstStyle/>
           <a:p>
             <a:r>
-              <a:rPr lang="zh-CN" altLang="en-US">
+              <a:rPr lang="zh-CN" altLang="en-US" dirty="0">
                 <a:sym typeface="+mn-ea"/>
               </a:rPr>
-              <a:t>但是，我们强烈建议您使用专为编码而设计的编辑器。如果你还没有，请不要担心。我们将简要介绍如何安装代码编辑器。</a:t>
-            </a:r>
-            <a:endParaRPr lang="zh-CN" altLang="en-US"/>
+              <a:t>但是，我们强烈</a:t>
+            </a:r>
+            <a:r>
+              <a:rPr lang="zh-CN" altLang="en-US" dirty="0" smtClean="0">
+                <a:sym typeface="+mn-ea"/>
+              </a:rPr>
+              <a:t>建议</a:t>
+            </a:r>
+            <a:r>
+              <a:rPr lang="zh-CN" altLang="en-US" dirty="0" smtClean="0"/>
+              <a:t>在C ++中，您的程序通常称为name.cpp，其中name替换为您为程序选择的名称（例如计算器，hi-lo等等）。该的.cpp扩展告诉编译器（和你），这是一个包含C ++指令的C ++源代码文件。请注意，有些人使用扩展名.cc而不是.cpp，但我们建议您使用.cpp。</a:t>
+            </a:r>
+          </a:p>
+          <a:p>
+            <a:endParaRPr lang="en-US" altLang="zh-CN" dirty="0" smtClean="0">
+              <a:sym typeface="+mn-ea"/>
+            </a:endParaRPr>
+          </a:p>
+          <a:p>
+            <a:r>
+              <a:rPr lang="zh-CN" altLang="en-US" dirty="0" smtClean="0">
+                <a:sym typeface="+mn-ea"/>
+              </a:rPr>
+              <a:t>您</a:t>
+            </a:r>
+            <a:r>
+              <a:rPr lang="zh-CN" altLang="en-US" dirty="0">
+                <a:sym typeface="+mn-ea"/>
+              </a:rPr>
+              <a:t>使用专为编码而设计的编辑器。如果你还没有，请不要担心。我们将简要介绍如何安装代码编辑器。</a:t>
+            </a:r>
+            <a:endParaRPr lang="zh-CN" altLang="en-US" dirty="0"/>
           </a:p>
         </p:txBody>
       </p:sp>
@@ -7261,6 +7375,171 @@
           <a:p>
             <a:r>
               <a:rPr lang="zh-CN" altLang="en-US"/>
+              <a:t>编译器</a:t>
+            </a:r>
+            <a:r>
+              <a:rPr lang="en-US" altLang="zh-CN"/>
+              <a:t>VS.</a:t>
+            </a:r>
+            <a:r>
+              <a:rPr lang="zh-CN" altLang="en-US"/>
+              <a:t>解释器</a:t>
+            </a:r>
+          </a:p>
+        </p:txBody>
+      </p:sp>
+      <p:sp>
+        <p:nvSpPr>
+          <p:cNvPr id="5" name="内容占位符 4"/>
+          <p:cNvSpPr>
+            <a:spLocks noGrp="1"/>
+          </p:cNvSpPr>
+          <p:nvPr>
+            <p:ph idx="1"/>
+          </p:nvPr>
+        </p:nvSpPr>
+        <p:spPr/>
+        <p:txBody>
+          <a:bodyPr/>
+          <a:lstStyle/>
+          <a:p>
+            <a:r>
+              <a:rPr lang="en-US" altLang="zh-CN"/>
+              <a:t>编译过程的简化表示</a:t>
+            </a:r>
+          </a:p>
+          <a:p>
+            <a:endParaRPr lang="en-US" altLang="zh-CN"/>
+          </a:p>
+          <a:p>
+            <a:endParaRPr lang="en-US" altLang="zh-CN"/>
+          </a:p>
+          <a:p>
+            <a:endParaRPr lang="en-US" altLang="zh-CN"/>
+          </a:p>
+          <a:p>
+            <a:endParaRPr lang="en-US" altLang="zh-CN">
+              <a:sym typeface="+mn-ea"/>
+            </a:endParaRPr>
+          </a:p>
+          <a:p>
+            <a:r>
+              <a:rPr lang="en-US" altLang="zh-CN">
+                <a:sym typeface="+mn-ea"/>
+              </a:rPr>
+              <a:t>解释过程的简化表示</a:t>
+            </a:r>
+          </a:p>
+          <a:p>
+            <a:endParaRPr lang="en-US" altLang="zh-CN"/>
+          </a:p>
+          <a:p>
+            <a:endParaRPr lang="en-US" altLang="zh-CN"/>
+          </a:p>
+          <a:p>
+            <a:r>
+              <a:rPr lang="zh-CN" altLang="en-US">
+                <a:hlinkClick r:id="rId3" action="ppaction://hlinkfile"/>
+              </a:rPr>
+              <a:t>有关编译与解释的讨论</a:t>
+            </a:r>
+            <a:endParaRPr lang="zh-CN" altLang="en-US"/>
+          </a:p>
+        </p:txBody>
+      </p:sp>
+      <p:pic>
+        <p:nvPicPr>
+          <p:cNvPr id="9" name="图片 8"/>
+          <p:cNvPicPr>
+            <a:picLocks noChangeAspect="1"/>
+          </p:cNvPicPr>
+          <p:nvPr/>
+        </p:nvPicPr>
+        <p:blipFill>
+          <a:blip r:embed="rId4"/>
+          <a:stretch>
+            <a:fillRect/>
+          </a:stretch>
+        </p:blipFill>
+        <p:spPr>
+          <a:xfrm>
+            <a:off x="730885" y="1315085"/>
+            <a:ext cx="6109970" cy="1949450"/>
+          </a:xfrm>
+          <a:prstGeom prst="rect">
+            <a:avLst/>
+          </a:prstGeom>
+        </p:spPr>
+      </p:pic>
+      <p:pic>
+        <p:nvPicPr>
+          <p:cNvPr id="10" name="图片 9"/>
+          <p:cNvPicPr>
+            <a:picLocks noChangeAspect="1"/>
+          </p:cNvPicPr>
+          <p:nvPr/>
+        </p:nvPicPr>
+        <p:blipFill>
+          <a:blip r:embed="rId5"/>
+          <a:stretch>
+            <a:fillRect/>
+          </a:stretch>
+        </p:blipFill>
+        <p:spPr>
+          <a:xfrm>
+            <a:off x="730885" y="4277995"/>
+            <a:ext cx="8176895" cy="857885"/>
+          </a:xfrm>
+          <a:prstGeom prst="rect">
+            <a:avLst/>
+          </a:prstGeom>
+        </p:spPr>
+      </p:pic>
+    </p:spTree>
+  </p:cSld>
+  <p:clrMapOvr>
+    <a:masterClrMapping/>
+  </p:clrMapOvr>
+  <p:transition>
+    <p:pull dir="ru"/>
+  </p:transition>
+</p:sld>
+</file>
+
+<file path=ppt/slides/slide11.xml><?xml version="1.0" encoding="utf-8"?>
+<p:sld xmlns:a="http://schemas.openxmlformats.org/drawingml/2006/main" xmlns:r="http://schemas.openxmlformats.org/officeDocument/2006/relationships" xmlns:p="http://schemas.openxmlformats.org/presentationml/2006/main">
+  <p:cSld>
+    <p:spTree>
+      <p:nvGrpSpPr>
+        <p:cNvPr id="1" name=""/>
+        <p:cNvGrpSpPr/>
+        <p:nvPr/>
+      </p:nvGrpSpPr>
+      <p:grpSpPr>
+        <a:xfrm>
+          <a:off x="0" y="0"/>
+          <a:ext cx="0" cy="0"/>
+          <a:chOff x="0" y="0"/>
+          <a:chExt cx="0" cy="0"/>
+        </a:xfrm>
+      </p:grpSpPr>
+      <p:sp>
+        <p:nvSpPr>
+          <p:cNvPr id="2" name="标题 1"/>
+          <p:cNvSpPr>
+            <a:spLocks noGrp="1"/>
+          </p:cNvSpPr>
+          <p:nvPr>
+            <p:ph type="title"/>
+          </p:nvPr>
+        </p:nvSpPr>
+        <p:spPr/>
+        <p:txBody>
+          <a:bodyPr/>
+          <a:lstStyle/>
+          <a:p>
+            <a:r>
+              <a:rPr lang="zh-CN" altLang="en-US"/>
               <a:t>高级语言的特性</a:t>
             </a:r>
           </a:p>
@@ -7345,7 +7624,7 @@
 </p:sld>
 </file>
 
-<file path=ppt/slides/slide11.xml><?xml version="1.0" encoding="utf-8"?>
+<file path=ppt/slides/slide12.xml><?xml version="1.0" encoding="utf-8"?>
 <p:sld xmlns:a="http://schemas.openxmlformats.org/drawingml/2006/main" xmlns:r="http://schemas.openxmlformats.org/officeDocument/2006/relationships" xmlns:p="http://schemas.openxmlformats.org/presentationml/2006/main">
   <p:cSld>
     <p:spTree>
@@ -7675,134 +7954,6 @@
 </p:sld>
 </file>
 
-<file path=ppt/slides/slide12.xml><?xml version="1.0" encoding="utf-8"?>
-<p:sld xmlns:a="http://schemas.openxmlformats.org/drawingml/2006/main" xmlns:r="http://schemas.openxmlformats.org/officeDocument/2006/relationships" xmlns:p="http://schemas.openxmlformats.org/presentationml/2006/main">
-  <p:cSld>
-    <p:spTree>
-      <p:nvGrpSpPr>
-        <p:cNvPr id="1" name=""/>
-        <p:cNvGrpSpPr/>
-        <p:nvPr/>
-      </p:nvGrpSpPr>
-      <p:grpSpPr>
-        <a:xfrm>
-          <a:off x="0" y="0"/>
-          <a:ext cx="0" cy="0"/>
-          <a:chOff x="0" y="0"/>
-          <a:chExt cx="0" cy="0"/>
-        </a:xfrm>
-      </p:grpSpPr>
-      <p:sp>
-        <p:nvSpPr>
-          <p:cNvPr id="2" name="标题 1"/>
-          <p:cNvSpPr>
-            <a:spLocks noGrp="1"/>
-          </p:cNvSpPr>
-          <p:nvPr>
-            <p:ph type="title"/>
-          </p:nvPr>
-        </p:nvSpPr>
-        <p:spPr/>
-        <p:txBody>
-          <a:bodyPr/>
-          <a:lstStyle/>
-          <a:p>
-            <a:r>
-              <a:rPr lang="en-US" altLang="zh-CN"/>
-              <a:t>C++</a:t>
-            </a:r>
-            <a:r>
-              <a:rPr lang="zh-CN" altLang="en-US"/>
-              <a:t>的前世</a:t>
-            </a:r>
-            <a:r>
-              <a:rPr lang="en-US" altLang="zh-CN"/>
-              <a:t>C</a:t>
-            </a:r>
-          </a:p>
-        </p:txBody>
-      </p:sp>
-      <p:sp>
-        <p:nvSpPr>
-          <p:cNvPr id="3" name="内容占位符 2"/>
-          <p:cNvSpPr>
-            <a:spLocks noGrp="1"/>
-          </p:cNvSpPr>
-          <p:nvPr>
-            <p:ph idx="1"/>
-          </p:nvPr>
-        </p:nvSpPr>
-        <p:spPr/>
-        <p:txBody>
-          <a:bodyPr/>
-          <a:lstStyle/>
-          <a:p>
-            <a:r>
-              <a:rPr lang="zh-CN" altLang="en-US"/>
-              <a:t>C语言由贝尔电话实验室的Dennis Ritchie于1972年开发而成，主要用于系统编程语言（编写操作系统的语言）</a:t>
-            </a:r>
-          </a:p>
-          <a:p>
-            <a:r>
-              <a:rPr lang="zh-CN" altLang="en-US"/>
-              <a:t>C最终变得如此高效和灵活，以至于1973年，Ritchie和Ken Thompson使用C重写了大部分UNIX操作系统。许多以前的操作系统都是用汇编语言编写的。与仅生成只能在特定CPU上运行的程序的程序集不同，C具有出色的可移植性，允许在许多不同类型的计算机上轻松地重新编译UNIX并加速其采用。C和Unix的命运联系在一起，而C的受欢迎程度部分与UNIX作为操作系统的成功有关。</a:t>
-            </a:r>
-          </a:p>
-          <a:p>
-            <a:r>
-              <a:rPr lang="zh-CN" altLang="en-US"/>
-              <a:t>1978年，Brian Kernighan和Dennis Ritchie出版了一本名为“The C Programming Language”的书。</a:t>
-            </a:r>
-            <a:r>
-              <a:rPr lang="zh-CN" altLang="en-US">
-                <a:sym typeface="+mn-ea"/>
-              </a:rPr>
-              <a:t>K＆R</a:t>
-            </a:r>
-            <a:r>
-              <a:rPr lang="zh-CN" altLang="en-US"/>
-              <a:t>书中提供了</a:t>
-            </a:r>
-            <a:r>
-              <a:rPr lang="en-US" altLang="zh-CN"/>
-              <a:t>C</a:t>
-            </a:r>
-            <a:r>
-              <a:rPr lang="zh-CN" altLang="en-US"/>
-              <a:t>语言的非正式规范，并成为事实上的标准。当需要最大的可移植性时，程序员会坚持K＆R中的建议，因为当时大多数编译器都是按照K＆R标准实现的。</a:t>
-            </a:r>
-          </a:p>
-          <a:p>
-            <a:endParaRPr lang="zh-CN" altLang="en-US"/>
-          </a:p>
-          <a:p>
-            <a:r>
-              <a:rPr lang="zh-CN" altLang="en-US"/>
-              <a:t>1983年，美国国家标准协会（ANSI）成立了一个委员会来建立C的正式标准。在1989年（委员会永远做任何事情），他们完成并发布了C89标准，通常称为ANSI C. 1990年，国际标准化组织（ISO）采用了ANSI C（稍作修改）。这个版本的C被称为C90。编译器最终符合ANSI C / C90标准，并且希望最大可移植性的程序被编码为此标准。</a:t>
-            </a:r>
-          </a:p>
-          <a:p>
-            <a:endParaRPr lang="zh-CN" altLang="en-US"/>
-          </a:p>
-          <a:p>
-            <a:r>
-              <a:rPr lang="zh-CN" altLang="en-US"/>
-              <a:t>1999年，ANSI委员会发布了一个名为C99的新版C语言。C99采用了许多功能，这些功能已经作为扩展进入编译器，或者已经在C ++中实现。</a:t>
-            </a:r>
-          </a:p>
-        </p:txBody>
-      </p:sp>
-    </p:spTree>
-  </p:cSld>
-  <p:clrMapOvr>
-    <a:masterClrMapping/>
-  </p:clrMapOvr>
-  <p:transition>
-    <p:pull dir="ru"/>
-  </p:transition>
-</p:sld>
-</file>
-
 <file path=ppt/slides/slide13.xml><?xml version="1.0" encoding="utf-8"?>
 <p:sld xmlns:a="http://schemas.openxmlformats.org/drawingml/2006/main" xmlns:r="http://schemas.openxmlformats.org/officeDocument/2006/relationships" xmlns:p="http://schemas.openxmlformats.org/presentationml/2006/main">
   <p:cSld>
@@ -7841,7 +7992,11 @@
             </a:r>
             <a:r>
               <a:rPr lang="zh-CN" altLang="en-US"/>
-              <a:t>的诞生</a:t>
+              <a:t>的前世</a:t>
+            </a:r>
+            <a:r>
+              <a:rPr lang="en-US" altLang="zh-CN"/>
+              <a:t>C</a:t>
             </a:r>
           </a:p>
         </p:txBody>
@@ -7856,21 +8011,257 @@
             <p:ph idx="1"/>
           </p:nvPr>
         </p:nvSpPr>
-        <p:spPr/>
+        <p:spPr>
+          <a:xfrm>
+            <a:off x="457200" y="798513"/>
+            <a:ext cx="6591300" cy="5540375"/>
+          </a:xfrm>
+        </p:spPr>
         <p:txBody>
           <a:bodyPr/>
           <a:lstStyle/>
           <a:p>
             <a:r>
-              <a:rPr lang="zh-CN" altLang="en-US"/>
-              <a:t>C++（发音为see plus plus）是由Bjarne Stroustrup在贝尔实验室开发，作为C的扩展，从1979年开始。C ++为C语言添加了许多新功能，也许最好被认为是C的超集，尽管这是并非严格正确（因为C99引入了一些C++中不存在的功能）。C++声名鹊起的主要原因在于它是一种面向对象的语言。</a:t>
-            </a:r>
-          </a:p>
-          <a:p>
-            <a:r>
-              <a:rPr lang="zh-CN" altLang="en-US"/>
-              <a:t>C++于1998年由ISO委员会批准，并于2003年再次批准（称为C++ 03）。自那时起，C ++语言（C++ 11，C++ 14和C++ 17，在2011年，2014年和2017年得到批准）的三个主要更新已经完成，为该语言添加了额外的功能。特别是C++ 11为该语言添加了大量新功能。</a:t>
-            </a:r>
+              <a:rPr lang="zh-CN" altLang="en-US" dirty="0"/>
+              <a:t>C语言由贝尔电话实验室</a:t>
+            </a:r>
+            <a:r>
+              <a:rPr lang="zh-CN" altLang="en-US" dirty="0" smtClean="0"/>
+              <a:t>的</a:t>
+            </a:r>
+            <a:r>
+              <a:rPr lang="zh-CN" altLang="en-US" dirty="0" smtClean="0">
+                <a:hlinkClick r:id="rId3"/>
+              </a:rPr>
+              <a:t>Dennis Ritchie</a:t>
+            </a:r>
+            <a:r>
+              <a:rPr lang="zh-CN" altLang="en-US" dirty="0" smtClean="0"/>
+              <a:t>于</a:t>
+            </a:r>
+            <a:r>
+              <a:rPr lang="zh-CN" altLang="en-US" dirty="0"/>
+              <a:t>1972年开发而成，主要用于系统编程语言（编写操作系统的语言）</a:t>
+            </a:r>
+          </a:p>
+          <a:p>
+            <a:r>
+              <a:rPr lang="zh-CN" altLang="en-US" dirty="0"/>
+              <a:t>C最终变得如此高效和灵活，以至于1973年，Ritchie和Ken Thompson使用C重写了大部分UNIX操作系统</a:t>
+            </a:r>
+            <a:r>
+              <a:rPr lang="zh-CN" altLang="en-US" dirty="0" smtClean="0"/>
+              <a:t>。</a:t>
+            </a:r>
+            <a:endParaRPr lang="en-US" altLang="zh-CN" dirty="0" smtClean="0"/>
+          </a:p>
+          <a:p>
+            <a:r>
+              <a:rPr lang="zh-CN" altLang="en-US" dirty="0" smtClean="0"/>
+              <a:t>1978年</a:t>
+            </a:r>
+            <a:r>
+              <a:rPr lang="zh-CN" altLang="en-US" dirty="0"/>
+              <a:t>，</a:t>
+            </a:r>
+            <a:r>
+              <a:rPr lang="zh-CN" altLang="en-US" dirty="0">
+                <a:hlinkClick r:id="rId4"/>
+              </a:rPr>
+              <a:t>Brian Kernighan</a:t>
+            </a:r>
+            <a:r>
+              <a:rPr lang="zh-CN" altLang="en-US" dirty="0" smtClean="0"/>
+              <a:t>和</a:t>
+            </a:r>
+            <a:r>
+              <a:rPr lang="zh-CN" altLang="en-US" dirty="0">
+                <a:hlinkClick r:id="rId3"/>
+              </a:rPr>
+              <a:t>Dennis Ritchie</a:t>
+            </a:r>
+            <a:r>
+              <a:rPr lang="zh-CN" altLang="en-US" dirty="0" smtClean="0"/>
+              <a:t>出版</a:t>
+            </a:r>
+            <a:r>
+              <a:rPr lang="zh-CN" altLang="en-US" dirty="0"/>
+              <a:t>了一本名为“The C Programming Language”的书。</a:t>
+            </a:r>
+            <a:r>
+              <a:rPr lang="zh-CN" altLang="en-US" dirty="0">
+                <a:sym typeface="+mn-ea"/>
+              </a:rPr>
+              <a:t>K＆R</a:t>
+            </a:r>
+            <a:r>
+              <a:rPr lang="zh-CN" altLang="en-US" dirty="0"/>
+              <a:t>书中提供了</a:t>
+            </a:r>
+            <a:r>
+              <a:rPr lang="en-US" altLang="zh-CN" dirty="0"/>
+              <a:t>C</a:t>
+            </a:r>
+            <a:r>
+              <a:rPr lang="zh-CN" altLang="en-US" dirty="0"/>
+              <a:t>语言的非正式规范，并成为事实上的标准。当需要最大的可移植性时，程序员会坚持K＆R中的建议，因为当时大多数编译器都是按照K＆R标准实现的。</a:t>
+            </a:r>
+          </a:p>
+          <a:p>
+            <a:pPr marL="0" indent="0">
+              <a:buNone/>
+            </a:pPr>
+            <a:endParaRPr lang="zh-CN" altLang="en-US" dirty="0"/>
+          </a:p>
+        </p:txBody>
+      </p:sp>
+      <p:pic>
+        <p:nvPicPr>
+          <p:cNvPr id="1026" name="Picture 2" descr="Dennis Ritchie 2011.jpg"/>
+          <p:cNvPicPr>
+            <a:picLocks noChangeAspect="1" noChangeArrowheads="1"/>
+          </p:cNvPicPr>
+          <p:nvPr/>
+        </p:nvPicPr>
+        <p:blipFill>
+          <a:blip r:embed="rId5">
+            <a:extLst>
+              <a:ext uri="{28A0092B-C50C-407E-A947-70E740481C1C}">
+                <a14:useLocalDpi xmlns:a14="http://schemas.microsoft.com/office/drawing/2010/main" val="0"/>
+              </a:ext>
+            </a:extLst>
+          </a:blip>
+          <a:srcRect/>
+          <a:stretch>
+            <a:fillRect/>
+          </a:stretch>
+        </p:blipFill>
+        <p:spPr bwMode="auto">
+          <a:xfrm>
+            <a:off x="7048500" y="798513"/>
+            <a:ext cx="2095500" cy="2752725"/>
+          </a:xfrm>
+          <a:prstGeom prst="rect">
+            <a:avLst/>
+          </a:prstGeom>
+          <a:noFill/>
+          <a:extLst>
+            <a:ext uri="{909E8E84-426E-40DD-AFC4-6F175D3DCCD1}">
+              <a14:hiddenFill xmlns:a14="http://schemas.microsoft.com/office/drawing/2010/main">
+                <a:solidFill>
+                  <a:srgbClr val="FFFFFF"/>
+                </a:solidFill>
+              </a14:hiddenFill>
+            </a:ext>
+          </a:extLst>
+        </p:spPr>
+      </p:pic>
+      <p:pic>
+        <p:nvPicPr>
+          <p:cNvPr id="1028" name="Picture 4" descr="Brian Kernighan in 2012 at Bell Labs 1.jpg"/>
+          <p:cNvPicPr>
+            <a:picLocks noChangeAspect="1" noChangeArrowheads="1"/>
+          </p:cNvPicPr>
+          <p:nvPr/>
+        </p:nvPicPr>
+        <p:blipFill>
+          <a:blip r:embed="rId6">
+            <a:extLst>
+              <a:ext uri="{28A0092B-C50C-407E-A947-70E740481C1C}">
+                <a14:useLocalDpi xmlns:a14="http://schemas.microsoft.com/office/drawing/2010/main" val="0"/>
+              </a:ext>
+            </a:extLst>
+          </a:blip>
+          <a:srcRect/>
+          <a:stretch>
+            <a:fillRect/>
+          </a:stretch>
+        </p:blipFill>
+        <p:spPr bwMode="auto">
+          <a:xfrm>
+            <a:off x="7048500" y="4244975"/>
+            <a:ext cx="2095500" cy="1400175"/>
+          </a:xfrm>
+          <a:prstGeom prst="rect">
+            <a:avLst/>
+          </a:prstGeom>
+          <a:noFill/>
+          <a:extLst>
+            <a:ext uri="{909E8E84-426E-40DD-AFC4-6F175D3DCCD1}">
+              <a14:hiddenFill xmlns:a14="http://schemas.microsoft.com/office/drawing/2010/main">
+                <a:solidFill>
+                  <a:srgbClr val="FFFFFF"/>
+                </a:solidFill>
+              </a14:hiddenFill>
+            </a:ext>
+          </a:extLst>
+        </p:spPr>
+      </p:pic>
+      <p:sp>
+        <p:nvSpPr>
+          <p:cNvPr id="5" name="矩形 4"/>
+          <p:cNvSpPr/>
+          <p:nvPr/>
+        </p:nvSpPr>
+        <p:spPr>
+          <a:xfrm>
+            <a:off x="7427938" y="5645150"/>
+            <a:ext cx="1468672" cy="307777"/>
+          </a:xfrm>
+          <a:prstGeom prst="rect">
+            <a:avLst/>
+          </a:prstGeom>
+        </p:spPr>
+        <p:txBody>
+          <a:bodyPr wrap="none">
+            <a:spAutoFit/>
+          </a:bodyPr>
+          <a:lstStyle/>
+          <a:p>
+            <a:pPr>
+              <a:buNone/>
+            </a:pPr>
+            <a:r>
+              <a:rPr lang="zh-CN" altLang="en-US" dirty="0">
+                <a:hlinkClick r:id="rId4"/>
+              </a:rPr>
+              <a:t>Brian Kernighan</a:t>
+            </a:r>
+            <a:endParaRPr lang="zh-CN" altLang="en-US" dirty="0"/>
+          </a:p>
+        </p:txBody>
+      </p:sp>
+      <p:sp>
+        <p:nvSpPr>
+          <p:cNvPr id="6" name="矩形 5"/>
+          <p:cNvSpPr/>
+          <p:nvPr/>
+        </p:nvSpPr>
+        <p:spPr>
+          <a:xfrm>
+            <a:off x="7421526" y="3551237"/>
+            <a:ext cx="1340432" cy="307777"/>
+          </a:xfrm>
+          <a:prstGeom prst="rect">
+            <a:avLst/>
+          </a:prstGeom>
+        </p:spPr>
+        <p:txBody>
+          <a:bodyPr wrap="none">
+            <a:spAutoFit/>
+          </a:bodyPr>
+          <a:lstStyle/>
+          <a:p>
+            <a:pPr>
+              <a:buNone/>
+            </a:pPr>
+            <a:r>
+              <a:rPr lang="zh-CN" altLang="en-US" dirty="0">
+                <a:hlinkClick r:id="rId3"/>
+              </a:rPr>
+              <a:t>Dennis Ritchie</a:t>
+            </a:r>
+            <a:endParaRPr lang="zh-CN" altLang="en-US" dirty="0"/>
           </a:p>
         </p:txBody>
       </p:sp>
@@ -7919,19 +8310,11 @@
           <a:p>
             <a:r>
               <a:rPr lang="en-US" altLang="zh-CN"/>
-              <a:t>C</a:t>
+              <a:t>C++</a:t>
             </a:r>
             <a:r>
               <a:rPr lang="zh-CN" altLang="en-US"/>
-              <a:t>和</a:t>
-            </a:r>
-            <a:r>
-              <a:rPr lang="en-US" altLang="zh-CN"/>
-              <a:t>C++</a:t>
-            </a:r>
-            <a:r>
-              <a:rPr lang="zh-CN" altLang="en-US"/>
-              <a:t>的哲学</a:t>
+              <a:t>的诞生</a:t>
             </a:r>
           </a:p>
         </p:txBody>
@@ -7946,29 +8329,143 @@
             <p:ph idx="1"/>
           </p:nvPr>
         </p:nvSpPr>
-        <p:spPr/>
+        <p:spPr>
+          <a:xfrm>
+            <a:off x="457200" y="798513"/>
+            <a:ext cx="5505559" cy="5649584"/>
+          </a:xfrm>
+        </p:spPr>
         <p:txBody>
           <a:bodyPr/>
           <a:lstStyle/>
           <a:p>
             <a:r>
-              <a:rPr lang="zh-CN" altLang="en-US"/>
-              <a:t>C和C++的基本设计理念可以概括为“信任程序员” </a:t>
-            </a:r>
-            <a:r>
-              <a:rPr lang="en-US" altLang="zh-CN"/>
-              <a:t>——</a:t>
-            </a:r>
-            <a:r>
-              <a:rPr lang="zh-CN" altLang="en-US"/>
-              <a:t> 既美妙又危险。</a:t>
-            </a:r>
-          </a:p>
-          <a:p>
-            <a:r>
-              <a:rPr lang="zh-CN" altLang="en-US"/>
-              <a:t>C++旨在让程序员可以高度自由地完成他们想要的任务。然而，这也意味着语言通常不会阻止你做一些没有意义的事情，因为它会假设你因为某些原因而无法理解。如果没有意识到，新程序员可能会陷入相当多的陷阱。这是为什么知道你不应该在C/C ++中做什么几乎和知道你应该做什么一样重要的原因之一。</a:t>
-            </a:r>
+              <a:rPr lang="zh-CN" altLang="en-US" dirty="0"/>
+              <a:t>C++（发音为see plus plus）是由</a:t>
+            </a:r>
+            <a:r>
+              <a:rPr lang="zh-CN" altLang="en-US" dirty="0">
+                <a:hlinkClick r:id="rId2"/>
+              </a:rPr>
+              <a:t>Bjarne Stroustrup</a:t>
+            </a:r>
+            <a:r>
+              <a:rPr lang="zh-CN" altLang="en-US" dirty="0"/>
+              <a:t>在贝尔</a:t>
+            </a:r>
+            <a:r>
+              <a:rPr lang="zh-CN" altLang="en-US" dirty="0"/>
+              <a:t>实验室从1979年开始</a:t>
+            </a:r>
+            <a:r>
+              <a:rPr lang="zh-CN" altLang="en-US" dirty="0" smtClean="0"/>
+              <a:t>开发的。</a:t>
+            </a:r>
+            <a:r>
+              <a:rPr lang="zh-CN" altLang="en-US" dirty="0" smtClean="0"/>
+              <a:t>作为</a:t>
+            </a:r>
+            <a:r>
+              <a:rPr lang="zh-CN" altLang="en-US" dirty="0"/>
+              <a:t>C的扩展</a:t>
+            </a:r>
+            <a:r>
+              <a:rPr lang="zh-CN" altLang="en-US" dirty="0" smtClean="0"/>
+              <a:t>，C </a:t>
+            </a:r>
+            <a:r>
+              <a:rPr lang="zh-CN" altLang="en-US" dirty="0"/>
+              <a:t>++为C语言添加了许多新</a:t>
+            </a:r>
+            <a:r>
+              <a:rPr lang="zh-CN" altLang="en-US" dirty="0" smtClean="0"/>
+              <a:t>功能。</a:t>
+            </a:r>
+            <a:r>
+              <a:rPr lang="zh-CN" altLang="en-US" dirty="0"/>
+              <a:t>C++声名鹊起的主要原因在于它是一种面向对象的语言。</a:t>
+            </a:r>
+          </a:p>
+          <a:p>
+            <a:r>
+              <a:rPr lang="zh-CN" altLang="en-US" dirty="0"/>
+              <a:t>C++于1998年由ISO委员会批准，并于2003年再次批准（称为C++ 03）。自那时起，C ++语言（C++ 11，C++ 14和C++ 17，在2011年，2014年和2017年得到批准）的三个主要更新已经完成，为该语言添加了额外的功能。特别是C++ 11为该语言添加了大量新功能。</a:t>
+            </a:r>
+          </a:p>
+        </p:txBody>
+      </p:sp>
+      <p:pic>
+        <p:nvPicPr>
+          <p:cNvPr id="2050" name="Picture 2" descr="Bjarne-stroustrup (cropped).jpg"/>
+          <p:cNvPicPr>
+            <a:picLocks noChangeAspect="1" noChangeArrowheads="1"/>
+          </p:cNvPicPr>
+          <p:nvPr/>
+        </p:nvPicPr>
+        <p:blipFill>
+          <a:blip r:embed="rId3">
+            <a:extLst>
+              <a:ext uri="{28A0092B-C50C-407E-A947-70E740481C1C}">
+                <a14:useLocalDpi xmlns:a14="http://schemas.microsoft.com/office/drawing/2010/main" val="0"/>
+              </a:ext>
+            </a:extLst>
+          </a:blip>
+          <a:srcRect/>
+          <a:stretch>
+            <a:fillRect/>
+          </a:stretch>
+        </p:blipFill>
+        <p:spPr bwMode="auto">
+          <a:xfrm>
+            <a:off x="5962759" y="927591"/>
+            <a:ext cx="3181241" cy="4800783"/>
+          </a:xfrm>
+          <a:prstGeom prst="rect">
+            <a:avLst/>
+          </a:prstGeom>
+          <a:noFill/>
+          <a:extLst>
+            <a:ext uri="{909E8E84-426E-40DD-AFC4-6F175D3DCCD1}">
+              <a14:hiddenFill xmlns:a14="http://schemas.microsoft.com/office/drawing/2010/main">
+                <a:solidFill>
+                  <a:srgbClr val="FFFFFF"/>
+                </a:solidFill>
+              </a14:hiddenFill>
+            </a:ext>
+          </a:extLst>
+        </p:spPr>
+      </p:pic>
+      <p:sp>
+        <p:nvSpPr>
+          <p:cNvPr id="4" name="矩形 3"/>
+          <p:cNvSpPr/>
+          <p:nvPr/>
+        </p:nvSpPr>
+        <p:spPr>
+          <a:xfrm>
+            <a:off x="6697215" y="5703563"/>
+            <a:ext cx="1577676" cy="307777"/>
+          </a:xfrm>
+          <a:prstGeom prst="rect">
+            <a:avLst/>
+          </a:prstGeom>
+        </p:spPr>
+        <p:txBody>
+          <a:bodyPr wrap="none">
+            <a:spAutoFit/>
+          </a:bodyPr>
+          <a:lstStyle/>
+          <a:p>
+            <a:pPr>
+              <a:buNone/>
+            </a:pPr>
+            <a:r>
+              <a:rPr lang="zh-CN" altLang="en-US" dirty="0">
+                <a:hlinkClick r:id="rId2"/>
+              </a:rPr>
+              <a:t>Bjarne Stroustrup</a:t>
+            </a:r>
+            <a:endParaRPr lang="zh-CN" altLang="en-US" dirty="0"/>
           </a:p>
         </p:txBody>
       </p:sp>
@@ -8017,11 +8514,11 @@
           <a:p>
             <a:r>
               <a:rPr lang="en-US" altLang="zh-CN"/>
-              <a:t>Question</a:t>
+              <a:t>C</a:t>
             </a:r>
             <a:r>
               <a:rPr lang="zh-CN" altLang="en-US"/>
-              <a:t>：</a:t>
+              <a:t>和</a:t>
             </a:r>
             <a:r>
               <a:rPr lang="en-US" altLang="zh-CN"/>
@@ -8029,7 +8526,7 @@
             </a:r>
             <a:r>
               <a:rPr lang="zh-CN" altLang="en-US"/>
-              <a:t>擅长什么？</a:t>
+              <a:t>的哲学</a:t>
             </a:r>
           </a:p>
         </p:txBody>
@@ -8050,72 +8547,68 @@
           <a:lstStyle/>
           <a:p>
             <a:r>
-              <a:rPr lang="zh-CN" altLang="en-US"/>
-              <a:t>问：C++擅长什么？</a:t>
-            </a:r>
-          </a:p>
-          <a:p>
-            <a:r>
-              <a:rPr lang="zh-CN" altLang="en-US"/>
-              <a:t>答：C++在需要高性能和精确控制内存和其他资源的情况下表现出色。以下是一些常见的应用程序类型，最有可能用C ++编写：</a:t>
-            </a:r>
-          </a:p>
-          <a:p>
-            <a:pPr lvl="1"/>
-            <a:r>
-              <a:rPr lang="zh-CN" altLang="en-US"/>
-              <a:t>视频游戏</a:t>
-            </a:r>
-          </a:p>
-          <a:p>
-            <a:pPr lvl="1"/>
-            <a:r>
-              <a:rPr lang="zh-CN" altLang="en-US"/>
-              <a:t>实时系统（例如运输，制造等......）</a:t>
-            </a:r>
-          </a:p>
-          <a:p>
-            <a:pPr lvl="1"/>
-            <a:r>
-              <a:rPr lang="zh-CN" altLang="en-US"/>
-              <a:t>高性能金融应用（例如高频交易）</a:t>
-            </a:r>
-          </a:p>
-          <a:p>
-            <a:pPr lvl="1"/>
-            <a:r>
-              <a:rPr lang="zh-CN" altLang="en-US">
+              <a:rPr lang="zh-CN" altLang="en-US" dirty="0"/>
+              <a:t>C和C++的基本设计理念可以概括</a:t>
+            </a:r>
+            <a:r>
+              <a:rPr lang="zh-CN" altLang="en-US" dirty="0" smtClean="0"/>
+              <a:t>为：“</a:t>
+            </a:r>
+            <a:r>
+              <a:rPr lang="zh-CN" altLang="en-US" dirty="0" smtClean="0">
                 <a:solidFill>
                   <a:srgbClr val="FF0000"/>
                 </a:solidFill>
               </a:rPr>
-              <a:t>图形应用程序</a:t>
-            </a:r>
-            <a:r>
-              <a:rPr lang="zh-CN" altLang="en-US"/>
-              <a:t>和模拟</a:t>
-            </a:r>
-          </a:p>
-          <a:p>
-            <a:pPr lvl="1"/>
-            <a:r>
-              <a:rPr lang="zh-CN" altLang="en-US"/>
-              <a:t>生产力/办公应用</a:t>
-            </a:r>
-          </a:p>
-          <a:p>
-            <a:pPr lvl="1"/>
-            <a:r>
-              <a:rPr lang="zh-CN" altLang="en-US"/>
-              <a:t>嵌入式软件</a:t>
-            </a:r>
-          </a:p>
-          <a:p>
-            <a:pPr lvl="1"/>
-            <a:r>
-              <a:rPr lang="zh-CN" altLang="en-US"/>
-              <a:t>音视频处理</a:t>
-            </a:r>
+              <a:t>信任程序员</a:t>
+            </a:r>
+            <a:r>
+              <a:rPr lang="zh-CN" altLang="en-US" dirty="0" smtClean="0"/>
+              <a:t>” </a:t>
+            </a:r>
+            <a:r>
+              <a:rPr lang="en-US" altLang="zh-CN" dirty="0"/>
+              <a:t>——</a:t>
+            </a:r>
+            <a:r>
+              <a:rPr lang="zh-CN" altLang="en-US" dirty="0"/>
+              <a:t> 既美妙又危险。</a:t>
+            </a:r>
+          </a:p>
+          <a:p>
+            <a:r>
+              <a:rPr lang="zh-CN" altLang="en-US" dirty="0"/>
+              <a:t>C++旨在让程序员可以</a:t>
+            </a:r>
+            <a:r>
+              <a:rPr lang="zh-CN" altLang="en-US" dirty="0">
+                <a:solidFill>
+                  <a:srgbClr val="FF0000"/>
+                </a:solidFill>
+              </a:rPr>
+              <a:t>高度自由地完成他们想要的任务</a:t>
+            </a:r>
+            <a:r>
+              <a:rPr lang="zh-CN" altLang="en-US" dirty="0"/>
+              <a:t>。然而，这也意味着语言通常不会阻止你做一些没有意义的</a:t>
+            </a:r>
+            <a:r>
+              <a:rPr lang="zh-CN" altLang="en-US" dirty="0" smtClean="0"/>
+              <a:t>事情。</a:t>
+            </a:r>
+            <a:r>
+              <a:rPr lang="zh-CN" altLang="en-US" dirty="0"/>
+              <a:t>如果没有意识到，新程序员可能会陷入相当多的陷阱。这就是为什么你应该知道在C/C ++中做什么和不能做</a:t>
+            </a:r>
+            <a:r>
+              <a:rPr lang="zh-CN" altLang="en-US" dirty="0" smtClean="0"/>
+              <a:t>什么几乎一样</a:t>
+            </a:r>
+            <a:r>
+              <a:rPr lang="zh-CN" altLang="en-US" dirty="0"/>
+              <a:t>重要的原因之一。</a:t>
+            </a:r>
+            <a:endParaRPr lang="zh-CN" altLang="en-US" dirty="0"/>
           </a:p>
         </p:txBody>
       </p:sp>
@@ -8164,19 +8657,19 @@
           <a:p>
             <a:r>
               <a:rPr lang="en-US" altLang="zh-CN"/>
-              <a:t>Question:</a:t>
+              <a:t>Question</a:t>
             </a:r>
             <a:r>
               <a:rPr lang="zh-CN" altLang="en-US"/>
-              <a:t>是否需要先行了解</a:t>
+              <a:t>：</a:t>
             </a:r>
             <a:r>
               <a:rPr lang="en-US" altLang="zh-CN"/>
-              <a:t>C</a:t>
+              <a:t>C++</a:t>
             </a:r>
             <a:r>
               <a:rPr lang="zh-CN" altLang="en-US"/>
-              <a:t>？</a:t>
+              <a:t>擅长什么？</a:t>
             </a:r>
           </a:p>
         </p:txBody>
@@ -8197,32 +8690,93 @@
           <a:lstStyle/>
           <a:p>
             <a:r>
-              <a:rPr lang="zh-CN" altLang="en-US"/>
-              <a:t>问：在进行这些教程之前，我是否需要了解C？</a:t>
-            </a:r>
-          </a:p>
-          <a:p>
-            <a:r>
-              <a:rPr lang="zh-CN" altLang="en-US"/>
-              <a:t>答：</a:t>
-            </a:r>
-            <a:r>
-              <a:rPr lang="zh-CN" altLang="en-US">
+              <a:rPr lang="zh-CN" altLang="en-US" dirty="0" smtClean="0"/>
+              <a:t>答</a:t>
+            </a:r>
+            <a:r>
+              <a:rPr lang="zh-CN" altLang="en-US" dirty="0"/>
+              <a:t>：C++在需要</a:t>
+            </a:r>
+            <a:r>
+              <a:rPr lang="zh-CN" altLang="en-US" dirty="0">
                 <a:solidFill>
                   <a:srgbClr val="FF0000"/>
                 </a:solidFill>
               </a:rPr>
-              <a:t>不！</a:t>
-            </a:r>
-            <a:r>
-              <a:rPr lang="zh-CN" altLang="en-US"/>
-              <a:t>从C++开始是完美的，我们会教你一路上需要知道的一切（包括要避免的陷阱）。</a:t>
-            </a:r>
-          </a:p>
-          <a:p>
-            <a:r>
-              <a:rPr lang="zh-CN" altLang="en-US"/>
-              <a:t>一旦你了解了C ++，如果你有需要，学习标准C应该很容易。目前，C主要用于小众用例：在嵌入式设备上运行的代码，当您需要与只能与C接口等的其他语言进行交互时......对于大多数其他情况，建议使用C ++。</a:t>
+              <a:t>高性能</a:t>
+            </a:r>
+            <a:r>
+              <a:rPr lang="zh-CN" altLang="en-US" dirty="0"/>
+              <a:t>和</a:t>
+            </a:r>
+            <a:r>
+              <a:rPr lang="zh-CN" altLang="en-US" dirty="0">
+                <a:solidFill>
+                  <a:srgbClr val="FF0000"/>
+                </a:solidFill>
+              </a:rPr>
+              <a:t>精确控制内存和其他资源</a:t>
+            </a:r>
+            <a:r>
+              <a:rPr lang="zh-CN" altLang="en-US" dirty="0"/>
+              <a:t>的情况下表现出色。以下是一些常见的应用程序类型，最有可能用C ++编写：</a:t>
+            </a:r>
+          </a:p>
+          <a:p>
+            <a:pPr lvl="1"/>
+            <a:r>
+              <a:rPr lang="zh-CN" altLang="en-US" dirty="0"/>
+              <a:t>视频游戏</a:t>
+            </a:r>
+          </a:p>
+          <a:p>
+            <a:pPr lvl="1"/>
+            <a:r>
+              <a:rPr lang="zh-CN" altLang="en-US" dirty="0"/>
+              <a:t>实时系统（例如运输，制造等......）</a:t>
+            </a:r>
+          </a:p>
+          <a:p>
+            <a:pPr lvl="1"/>
+            <a:r>
+              <a:rPr lang="zh-CN" altLang="en-US" dirty="0"/>
+              <a:t>高性能金融应用（例如高频交易）</a:t>
+            </a:r>
+          </a:p>
+          <a:p>
+            <a:pPr lvl="1"/>
+            <a:r>
+              <a:rPr lang="zh-CN" altLang="en-US" dirty="0">
+                <a:solidFill>
+                  <a:srgbClr val="FF0000"/>
+                </a:solidFill>
+              </a:rPr>
+              <a:t>图形应用程序</a:t>
+            </a:r>
+            <a:r>
+              <a:rPr lang="zh-CN" altLang="en-US" dirty="0"/>
+              <a:t>和模拟</a:t>
+            </a:r>
+          </a:p>
+          <a:p>
+            <a:pPr lvl="1"/>
+            <a:r>
+              <a:rPr lang="zh-CN" altLang="en-US" dirty="0"/>
+              <a:t>生产力/办公应用</a:t>
+            </a:r>
+          </a:p>
+          <a:p>
+            <a:pPr lvl="1"/>
+            <a:r>
+              <a:rPr lang="zh-CN" altLang="en-US" dirty="0"/>
+              <a:t>嵌入式软件</a:t>
+            </a:r>
+          </a:p>
+          <a:p>
+            <a:pPr lvl="1"/>
+            <a:r>
+              <a:rPr lang="zh-CN" altLang="en-US" dirty="0"/>
+              <a:t>音视频处理</a:t>
             </a:r>
           </a:p>
         </p:txBody>
@@ -8239,6 +8793,130 @@
 </file>
 
 <file path=ppt/slides/slide17.xml><?xml version="1.0" encoding="utf-8"?>
+<p:sld xmlns:a="http://schemas.openxmlformats.org/drawingml/2006/main" xmlns:r="http://schemas.openxmlformats.org/officeDocument/2006/relationships" xmlns:p="http://schemas.openxmlformats.org/presentationml/2006/main">
+  <p:cSld>
+    <p:spTree>
+      <p:nvGrpSpPr>
+        <p:cNvPr id="1" name=""/>
+        <p:cNvGrpSpPr/>
+        <p:nvPr/>
+      </p:nvGrpSpPr>
+      <p:grpSpPr>
+        <a:xfrm>
+          <a:off x="0" y="0"/>
+          <a:ext cx="0" cy="0"/>
+          <a:chOff x="0" y="0"/>
+          <a:chExt cx="0" cy="0"/>
+        </a:xfrm>
+      </p:grpSpPr>
+      <p:sp>
+        <p:nvSpPr>
+          <p:cNvPr id="2" name="标题 1"/>
+          <p:cNvSpPr>
+            <a:spLocks noGrp="1"/>
+          </p:cNvSpPr>
+          <p:nvPr>
+            <p:ph type="title"/>
+          </p:nvPr>
+        </p:nvSpPr>
+        <p:spPr/>
+        <p:txBody>
+          <a:bodyPr/>
+          <a:lstStyle/>
+          <a:p>
+            <a:r>
+              <a:rPr lang="en-US" altLang="zh-CN"/>
+              <a:t>Question:</a:t>
+            </a:r>
+            <a:r>
+              <a:rPr lang="zh-CN" altLang="en-US"/>
+              <a:t>是否需要先行了解</a:t>
+            </a:r>
+            <a:r>
+              <a:rPr lang="en-US" altLang="zh-CN"/>
+              <a:t>C</a:t>
+            </a:r>
+            <a:r>
+              <a:rPr lang="zh-CN" altLang="en-US"/>
+              <a:t>？</a:t>
+            </a:r>
+          </a:p>
+        </p:txBody>
+      </p:sp>
+      <p:sp>
+        <p:nvSpPr>
+          <p:cNvPr id="3" name="内容占位符 2"/>
+          <p:cNvSpPr>
+            <a:spLocks noGrp="1"/>
+          </p:cNvSpPr>
+          <p:nvPr>
+            <p:ph idx="1"/>
+          </p:nvPr>
+        </p:nvSpPr>
+        <p:spPr/>
+        <p:txBody>
+          <a:bodyPr/>
+          <a:lstStyle/>
+          <a:p>
+            <a:r>
+              <a:rPr lang="zh-CN" altLang="en-US" dirty="0"/>
+              <a:t>问：</a:t>
+            </a:r>
+            <a:r>
+              <a:rPr lang="zh-CN" altLang="en-US" dirty="0" smtClean="0"/>
+              <a:t>在学习</a:t>
+            </a:r>
+            <a:r>
+              <a:rPr lang="en-US" altLang="zh-CN" dirty="0" smtClean="0"/>
+              <a:t>C++</a:t>
+            </a:r>
+            <a:r>
+              <a:rPr lang="zh-CN" altLang="en-US" dirty="0" smtClean="0"/>
+              <a:t>之前</a:t>
+            </a:r>
+            <a:r>
+              <a:rPr lang="zh-CN" altLang="en-US" dirty="0"/>
+              <a:t>，我是否需要了解C？</a:t>
+            </a:r>
+          </a:p>
+          <a:p>
+            <a:r>
+              <a:rPr lang="zh-CN" altLang="en-US" dirty="0"/>
+              <a:t>答：</a:t>
+            </a:r>
+            <a:r>
+              <a:rPr lang="zh-CN" altLang="en-US" dirty="0">
+                <a:solidFill>
+                  <a:srgbClr val="FF0000"/>
+                </a:solidFill>
+              </a:rPr>
+              <a:t>不！</a:t>
+            </a:r>
+            <a:r>
+              <a:rPr lang="zh-CN" altLang="en-US" dirty="0"/>
+              <a:t>从C++开始是完美的，我们会教你一路上需要知道的一切（包括要避免的陷阱）。</a:t>
+            </a:r>
+          </a:p>
+          <a:p>
+            <a:r>
+              <a:rPr lang="zh-CN" altLang="en-US" dirty="0"/>
+              <a:t>一旦你了解了C ++，如果你有需要，学习标准C应该很容易。目前，C主要用于小众用例：在嵌入式设备上运行的代码，当您需要与只能与C接口等的其他语言进行交互时......对于大多数其他情况，建议使用C ++。</a:t>
+            </a:r>
+          </a:p>
+        </p:txBody>
+      </p:sp>
+    </p:spTree>
+  </p:cSld>
+  <p:clrMapOvr>
+    <a:masterClrMapping/>
+  </p:clrMapOvr>
+  <p:transition>
+    <p:pull dir="ru"/>
+  </p:transition>
+</p:sld>
+</file>
+
+<file path=ppt/slides/slide18.xml><?xml version="1.0" encoding="utf-8"?>
 <p:sld xmlns:a="http://schemas.openxmlformats.org/drawingml/2006/main" xmlns:r="http://schemas.openxmlformats.org/officeDocument/2006/relationships" xmlns:p="http://schemas.openxmlformats.org/presentationml/2006/main">
   <p:cSld>
     <p:spTree>
@@ -8820,164 +9498,6 @@
 </p:sld>
 </file>
 
-<file path=ppt/slides/slide18.xml><?xml version="1.0" encoding="utf-8"?>
-<p:sld xmlns:a="http://schemas.openxmlformats.org/drawingml/2006/main" xmlns:r="http://schemas.openxmlformats.org/officeDocument/2006/relationships" xmlns:p="http://schemas.openxmlformats.org/presentationml/2006/main">
-  <p:cSld>
-    <p:spTree>
-      <p:nvGrpSpPr>
-        <p:cNvPr id="1" name=""/>
-        <p:cNvGrpSpPr/>
-        <p:nvPr/>
-      </p:nvGrpSpPr>
-      <p:grpSpPr>
-        <a:xfrm>
-          <a:off x="0" y="0"/>
-          <a:ext cx="0" cy="0"/>
-          <a:chOff x="0" y="0"/>
-          <a:chExt cx="0" cy="0"/>
-        </a:xfrm>
-      </p:grpSpPr>
-      <p:sp>
-        <p:nvSpPr>
-          <p:cNvPr id="2" name="标题 1"/>
-          <p:cNvSpPr>
-            <a:spLocks noGrp="1"/>
-          </p:cNvSpPr>
-          <p:nvPr>
-            <p:ph type="title"/>
-          </p:nvPr>
-        </p:nvSpPr>
-        <p:spPr/>
-        <p:txBody>
-          <a:bodyPr/>
-          <a:lstStyle/>
-          <a:p>
-            <a:r>
-              <a:rPr lang="en-US" altLang="zh-CN"/>
-              <a:t>C++</a:t>
-            </a:r>
-            <a:r>
-              <a:rPr lang="zh-CN" altLang="en-US"/>
-              <a:t>开发流程</a:t>
-            </a:r>
-          </a:p>
-        </p:txBody>
-      </p:sp>
-      <p:sp>
-        <p:nvSpPr>
-          <p:cNvPr id="3" name="内容占位符 2"/>
-          <p:cNvSpPr>
-            <a:spLocks noGrp="1"/>
-          </p:cNvSpPr>
-          <p:nvPr>
-            <p:ph idx="1"/>
-          </p:nvPr>
-        </p:nvSpPr>
-        <p:spPr>
-          <a:xfrm>
-            <a:off x="457200" y="798513"/>
-            <a:ext cx="8229600" cy="5540375"/>
-          </a:xfrm>
-        </p:spPr>
-        <p:txBody>
-          <a:bodyPr/>
-          <a:lstStyle/>
-          <a:p>
-            <a:r>
-              <a:rPr lang="en-US" altLang="zh-CN"/>
-              <a:t>C++</a:t>
-            </a:r>
-            <a:r>
-              <a:rPr lang="zh-CN" altLang="en-US"/>
-              <a:t>开发流程简图</a:t>
-            </a:r>
-          </a:p>
-          <a:p>
-            <a:pPr lvl="1"/>
-            <a:r>
-              <a:rPr lang="zh-CN" altLang="en-US"/>
-              <a:t>定义问题</a:t>
-            </a:r>
-          </a:p>
-          <a:p>
-            <a:pPr lvl="1"/>
-            <a:r>
-              <a:rPr lang="zh-CN" altLang="en-US"/>
-              <a:t>设计解决方案</a:t>
-            </a:r>
-          </a:p>
-          <a:p>
-            <a:pPr lvl="1"/>
-            <a:r>
-              <a:rPr lang="zh-CN" altLang="en-US"/>
-              <a:t>编码实现</a:t>
-            </a:r>
-          </a:p>
-          <a:p>
-            <a:pPr lvl="1"/>
-            <a:r>
-              <a:rPr lang="zh-CN" altLang="en-US"/>
-              <a:t>编译代码</a:t>
-            </a:r>
-          </a:p>
-          <a:p>
-            <a:pPr lvl="1"/>
-            <a:r>
-              <a:rPr lang="zh-CN" altLang="en-US"/>
-              <a:t>链接程序</a:t>
-            </a:r>
-          </a:p>
-          <a:p>
-            <a:pPr lvl="1"/>
-            <a:r>
-              <a:rPr lang="zh-CN" altLang="en-US"/>
-              <a:t>测试程序</a:t>
-            </a:r>
-          </a:p>
-          <a:p>
-            <a:pPr lvl="1"/>
-            <a:r>
-              <a:rPr lang="zh-CN" altLang="en-US"/>
-              <a:t>调试程序</a:t>
-            </a:r>
-          </a:p>
-        </p:txBody>
-      </p:sp>
-      <p:pic>
-        <p:nvPicPr>
-          <p:cNvPr id="4" name="图片 3"/>
-          <p:cNvPicPr>
-            <a:picLocks noChangeAspect="1"/>
-          </p:cNvPicPr>
-          <p:nvPr/>
-        </p:nvPicPr>
-        <p:blipFill>
-          <a:blip r:embed="rId2"/>
-          <a:stretch>
-            <a:fillRect/>
-          </a:stretch>
-        </p:blipFill>
-        <p:spPr>
-          <a:xfrm>
-            <a:off x="3353435" y="798830"/>
-            <a:ext cx="5333365" cy="4897755"/>
-          </a:xfrm>
-          <a:prstGeom prst="rect">
-            <a:avLst/>
-          </a:prstGeom>
-        </p:spPr>
-      </p:pic>
-    </p:spTree>
-  </p:cSld>
-  <p:clrMapOvr>
-    <a:masterClrMapping/>
-  </p:clrMapOvr>
-  <p:transition>
-    <p:pull dir="ru"/>
-  </p:transition>
-</p:sld>
-</file>
-
 <file path=ppt/slides/slide19.xml><?xml version="1.0" encoding="utf-8"?>
 <p:sld xmlns:a="http://schemas.openxmlformats.org/drawingml/2006/main" xmlns:r="http://schemas.openxmlformats.org/officeDocument/2006/relationships" xmlns:p="http://schemas.openxmlformats.org/presentationml/2006/main">
   <p:cSld>
@@ -9011,16 +9531,12 @@
           <a:lstStyle/>
           <a:p>
             <a:r>
-              <a:rPr lang="zh-CN" altLang="zh-CN"/>
-              <a:t>第</a:t>
-            </a:r>
-            <a:r>
               <a:rPr lang="en-US" altLang="zh-CN"/>
-              <a:t>1</a:t>
-            </a:r>
-            <a:r>
-              <a:rPr lang="zh-CN" altLang="zh-CN"/>
-              <a:t>步：定义要解决的问题</a:t>
+              <a:t>C++</a:t>
+            </a:r>
+            <a:r>
+              <a:rPr lang="zh-CN" altLang="en-US"/>
+              <a:t>开发流程</a:t>
             </a:r>
           </a:p>
         </p:txBody>
@@ -9035,45 +9551,100 @@
             <p:ph idx="1"/>
           </p:nvPr>
         </p:nvSpPr>
-        <p:spPr/>
+        <p:spPr>
+          <a:xfrm>
+            <a:off x="457200" y="798513"/>
+            <a:ext cx="8229600" cy="5540375"/>
+          </a:xfrm>
+        </p:spPr>
         <p:txBody>
           <a:bodyPr/>
           <a:lstStyle/>
           <a:p>
             <a:r>
+              <a:rPr lang="en-US" altLang="zh-CN"/>
+              <a:t>C++</a:t>
+            </a:r>
+            <a:r>
               <a:rPr lang="zh-CN" altLang="en-US"/>
-              <a:t>这是“什么”步骤，您可以在其中找出您打算解决的问题。提出你想要编程的最初想法可能是最简单的步骤，也可能是最难的步骤。但从概念上讲，它是最简单的。您只需要一个可以很好定义的想法，并为下一步做好准备。</a:t>
-            </a:r>
-          </a:p>
-          <a:p>
+              <a:t>开发流程简图</a:t>
+            </a:r>
+          </a:p>
+          <a:p>
+            <a:pPr lvl="1"/>
             <a:r>
               <a:rPr lang="zh-CN" altLang="en-US"/>
-              <a:t>这里有一些例子：</a:t>
+              <a:t>定义问题</a:t>
             </a:r>
           </a:p>
           <a:p>
             <a:pPr lvl="1"/>
             <a:r>
               <a:rPr lang="zh-CN" altLang="en-US"/>
-              <a:t>我想编写一个程序，允许我输入许多数字，然后计算平均值。</a:t>
+              <a:t>设计解决方案</a:t>
             </a:r>
           </a:p>
           <a:p>
             <a:pPr lvl="1"/>
             <a:r>
               <a:rPr lang="zh-CN" altLang="en-US"/>
-              <a:t>我想写一个生成二维迷宫的程序，让用户浏览它。如果用户到达目的地，用户将获胜。</a:t>
+              <a:t>编码实现</a:t>
             </a:r>
           </a:p>
           <a:p>
             <a:pPr lvl="1"/>
             <a:r>
               <a:rPr lang="zh-CN" altLang="en-US"/>
-              <a:t>我想写一个程序，读取股票价格文件并预测股票是涨还是涨。</a:t>
+              <a:t>编译代码</a:t>
+            </a:r>
+          </a:p>
+          <a:p>
+            <a:pPr lvl="1"/>
+            <a:r>
+              <a:rPr lang="zh-CN" altLang="en-US"/>
+              <a:t>链接程序</a:t>
+            </a:r>
+          </a:p>
+          <a:p>
+            <a:pPr lvl="1"/>
+            <a:r>
+              <a:rPr lang="zh-CN" altLang="en-US"/>
+              <a:t>测试程序</a:t>
+            </a:r>
+          </a:p>
+          <a:p>
+            <a:pPr lvl="1"/>
+            <a:r>
+              <a:rPr lang="zh-CN" altLang="en-US"/>
+              <a:t>调试程序</a:t>
             </a:r>
           </a:p>
         </p:txBody>
       </p:sp>
+      <p:pic>
+        <p:nvPicPr>
+          <p:cNvPr id="4" name="图片 3"/>
+          <p:cNvPicPr>
+            <a:picLocks noChangeAspect="1"/>
+          </p:cNvPicPr>
+          <p:nvPr/>
+        </p:nvPicPr>
+        <p:blipFill>
+          <a:blip r:embed="rId2"/>
+          <a:stretch>
+            <a:fillRect/>
+          </a:stretch>
+        </p:blipFill>
+        <p:spPr>
+          <a:xfrm>
+            <a:off x="3263462" y="798513"/>
+            <a:ext cx="5880538" cy="5400237"/>
+          </a:xfrm>
+          <a:prstGeom prst="rect">
+            <a:avLst/>
+          </a:prstGeom>
+        </p:spPr>
+      </p:pic>
     </p:spTree>
   </p:cSld>
   <p:clrMapOvr>
@@ -9311,12 +9882,17 @@
           <a:lstStyle/>
           <a:p>
             <a:r>
-              <a:rPr lang="zh-CN" altLang="en-US">
-                <a:sym typeface="+mn-ea"/>
-              </a:rPr>
-              <a:t>第2步：确定如何解决问题</a:t>
-            </a:r>
-            <a:endParaRPr lang="zh-CN" altLang="en-US"/>
+              <a:rPr lang="zh-CN" altLang="zh-CN"/>
+              <a:t>第</a:t>
+            </a:r>
+            <a:r>
+              <a:rPr lang="en-US" altLang="zh-CN"/>
+              <a:t>1</a:t>
+            </a:r>
+            <a:r>
+              <a:rPr lang="zh-CN" altLang="zh-CN"/>
+              <a:t>步：定义要解决的问题</a:t>
+            </a:r>
           </a:p>
         </p:txBody>
       </p:sp>
@@ -9336,43 +9912,105 @@
           <a:lstStyle/>
           <a:p>
             <a:r>
-              <a:rPr lang="zh-CN" altLang="en-US"/>
-              <a:t>这是“如何”步骤，您可以在其中确定如何解决步骤1中提出的问题。这也是软件开发中最容易忽略的步骤。问题的关键在于有很多方法可以解决问题 - 但是，其中一些解决方案很好，而其中一些解决方案很糟糕。通常，程序员会得到一个想法，坐下来，并立即开始编写解决方案。这通常会产生一个属于坏类别的解决方案。</a:t>
-            </a:r>
-          </a:p>
-          <a:p>
-            <a:r>
-              <a:rPr lang="zh-CN" altLang="en-US"/>
-              <a:t>通常，良好的解决方案具有以下特征：</a:t>
+              <a:rPr lang="zh-CN" altLang="en-US" dirty="0"/>
+              <a:t>这是“</a:t>
+            </a:r>
+            <a:r>
+              <a:rPr lang="zh-CN" altLang="en-US" dirty="0">
+                <a:solidFill>
+                  <a:srgbClr val="FF0000"/>
+                </a:solidFill>
+              </a:rPr>
+              <a:t>什么</a:t>
+            </a:r>
+            <a:r>
+              <a:rPr lang="zh-CN" altLang="en-US" dirty="0"/>
+              <a:t>”步骤</a:t>
+            </a:r>
+            <a:r>
+              <a:rPr lang="zh-CN" altLang="en-US" dirty="0" smtClean="0"/>
+              <a:t>，你需要找出需要解决</a:t>
+            </a:r>
+            <a:r>
+              <a:rPr lang="zh-CN" altLang="en-US" dirty="0"/>
+              <a:t>的问题。提出你想要编程的最初想法可能是最简单的步骤，也可能是最难的步骤。但从概念上讲，它是最简单的</a:t>
+            </a:r>
+            <a:r>
+              <a:rPr lang="zh-CN" altLang="en-US" dirty="0" smtClean="0"/>
+              <a:t>。你</a:t>
+            </a:r>
+            <a:r>
+              <a:rPr lang="zh-CN" altLang="en-US" dirty="0" smtClean="0">
+                <a:solidFill>
+                  <a:srgbClr val="FF0000"/>
+                </a:solidFill>
+              </a:rPr>
+              <a:t>只需</a:t>
+            </a:r>
+            <a:r>
+              <a:rPr lang="zh-CN" altLang="en-US" dirty="0">
+                <a:solidFill>
+                  <a:srgbClr val="FF0000"/>
+                </a:solidFill>
+              </a:rPr>
+              <a:t>要一个可以很好定义的想法</a:t>
+            </a:r>
+            <a:r>
+              <a:rPr lang="zh-CN" altLang="en-US" dirty="0"/>
+              <a:t>，并为下一步做好准备。</a:t>
+            </a:r>
+          </a:p>
+          <a:p>
+            <a:r>
+              <a:rPr lang="zh-CN" altLang="en-US" dirty="0"/>
+              <a:t>这里有一些例子：</a:t>
             </a:r>
           </a:p>
           <a:p>
             <a:pPr lvl="1"/>
             <a:r>
-              <a:rPr lang="zh-CN" altLang="en-US"/>
-              <a:t>它们很简单（不会过于复杂或混乱）。</a:t>
+              <a:rPr lang="zh-CN" altLang="en-US" dirty="0"/>
+              <a:t>我想编写一个程序，允许我输入许多数字，然后计算平均值。</a:t>
             </a:r>
           </a:p>
           <a:p>
             <a:pPr lvl="1"/>
             <a:r>
-              <a:rPr lang="zh-CN" altLang="en-US"/>
-              <a:t>它们有很好的文件记录（特别是在任何假设或限制的情况下）。</a:t>
+              <a:rPr lang="zh-CN" altLang="en-US" dirty="0"/>
+              <a:t>我想写一个生成</a:t>
+            </a:r>
+            <a:r>
+              <a:rPr lang="zh-CN" altLang="en-US" dirty="0">
+                <a:solidFill>
+                  <a:srgbClr val="FF0000"/>
+                </a:solidFill>
+              </a:rPr>
+              <a:t>二维迷宫的程序</a:t>
+            </a:r>
+            <a:r>
+              <a:rPr lang="zh-CN" altLang="en-US" dirty="0"/>
+              <a:t>，让用户浏览它。如果用户到达目的地，用户将获胜。</a:t>
             </a:r>
           </a:p>
           <a:p>
             <a:pPr lvl="1"/>
             <a:r>
-              <a:rPr lang="zh-CN" altLang="en-US"/>
-              <a:t>它们是模块化构建的，因此可以在以后重复使用或更改部件，而不会影响程序的其他部分。</a:t>
-            </a:r>
-          </a:p>
-          <a:p>
-            <a:pPr lvl="1"/>
-            <a:r>
-              <a:rPr lang="zh-CN" altLang="en-US"/>
-              <a:t>它们非常强大，可以在出现意外情况时恢复或提供有用的错误消息。</a:t>
-            </a:r>
+              <a:rPr lang="zh-CN" altLang="en-US" dirty="0"/>
+              <a:t>我想写一个程序，读取股票价格文件并预测股票是涨</a:t>
+            </a:r>
+            <a:r>
+              <a:rPr lang="zh-CN" altLang="en-US" dirty="0" smtClean="0"/>
+              <a:t>还是</a:t>
+            </a:r>
+            <a:r>
+              <a:rPr lang="zh-CN" altLang="en-US" dirty="0"/>
+              <a:t>跌</a:t>
+            </a:r>
+            <a:r>
+              <a:rPr lang="zh-CN" altLang="en-US" dirty="0" smtClean="0"/>
+              <a:t>。</a:t>
+            </a:r>
+            <a:endParaRPr lang="zh-CN" altLang="en-US" dirty="0"/>
           </a:p>
         </p:txBody>
       </p:sp>
@@ -9423,7 +10061,7 @@
               <a:rPr lang="zh-CN" altLang="en-US">
                 <a:sym typeface="+mn-ea"/>
               </a:rPr>
-              <a:t>第3步：编写程序</a:t>
+              <a:t>第2步：确定如何解决问题</a:t>
             </a:r>
             <a:endParaRPr lang="zh-CN" altLang="en-US"/>
           </a:p>
@@ -9445,44 +10083,139 @@
           <a:lstStyle/>
           <a:p>
             <a:r>
-              <a:rPr lang="zh-CN" altLang="en-US"/>
-              <a:t>为了编写程序，我们需要两件事：首先我们需要编程语言的知识 - 这就是这些教程的用途！其次，我们需要一名编辑。可以使用您想要的任何编辑器编写程序，甚至可以像Window的记事本或Unix的vi或pico那样简单。</a:t>
-            </a:r>
-          </a:p>
-          <a:p>
-            <a:r>
-              <a:rPr lang="zh-CN" altLang="en-US"/>
-              <a:t>专为编码而设计的典型编辑器具有一些使编程更容易的功能，包括：</a:t>
+              <a:rPr lang="zh-CN" altLang="en-US" dirty="0"/>
+              <a:t>这是“</a:t>
+            </a:r>
+            <a:r>
+              <a:rPr lang="zh-CN" altLang="en-US" dirty="0">
+                <a:solidFill>
+                  <a:srgbClr val="FF0000"/>
+                </a:solidFill>
+              </a:rPr>
+              <a:t>如何</a:t>
+            </a:r>
+            <a:r>
+              <a:rPr lang="zh-CN" altLang="en-US" dirty="0"/>
+              <a:t>”步骤</a:t>
+            </a:r>
+            <a:r>
+              <a:rPr lang="zh-CN" altLang="en-US" dirty="0" smtClean="0"/>
+              <a:t>，你可以</a:t>
+            </a:r>
+            <a:r>
+              <a:rPr lang="zh-CN" altLang="en-US" dirty="0"/>
+              <a:t>在其中确定如何解决步骤1中提出的问题。这也是软件开发中最容易忽略的步骤。问题的关键在于有很多方法可以</a:t>
+            </a:r>
+            <a:r>
+              <a:rPr lang="zh-CN" altLang="en-US" dirty="0" smtClean="0"/>
+              <a:t>解决问题。但是</a:t>
+            </a:r>
+            <a:r>
+              <a:rPr lang="zh-CN" altLang="en-US" dirty="0"/>
+              <a:t>，其中一些解决方案很好，而其中一些解决方案很糟糕。通常，程序员会得到一个想法，坐下来，并立即开始编写解决方案。这通常会产生一个属于坏类别的解决方案</a:t>
+            </a:r>
+            <a:r>
+              <a:rPr lang="zh-CN" altLang="en-US" dirty="0" smtClean="0"/>
+              <a:t>。（</a:t>
+            </a:r>
+            <a:r>
+              <a:rPr lang="zh-CN" altLang="en-US" dirty="0" smtClean="0">
+                <a:solidFill>
+                  <a:srgbClr val="FF0000"/>
+                </a:solidFill>
+              </a:rPr>
+              <a:t>权衡、取舍</a:t>
+            </a:r>
+            <a:r>
+              <a:rPr lang="zh-CN" altLang="en-US" dirty="0" smtClean="0"/>
+              <a:t>）</a:t>
+            </a:r>
+            <a:endParaRPr lang="zh-CN" altLang="en-US" dirty="0"/>
+          </a:p>
+          <a:p>
+            <a:r>
+              <a:rPr lang="zh-CN" altLang="en-US" dirty="0"/>
+              <a:t>通常，良好的解决方案具有以下特征：</a:t>
             </a:r>
           </a:p>
           <a:p>
             <a:pPr lvl="1"/>
             <a:r>
-              <a:rPr lang="zh-CN" altLang="en-US"/>
-              <a:t>行号。当编译器给我们一个错误时，行编号很有用，因为典型的编译器错误会说明：某些错误代码/消息，第64行。如果没有显示行号的编辑器，找到第64行可能会非常麻烦。</a:t>
+              <a:rPr lang="zh-CN" altLang="en-US" dirty="0"/>
+              <a:t>它们</a:t>
+            </a:r>
+            <a:r>
+              <a:rPr lang="zh-CN" altLang="en-US" dirty="0">
+                <a:solidFill>
+                  <a:srgbClr val="FF0000"/>
+                </a:solidFill>
+              </a:rPr>
+              <a:t>很简单</a:t>
+            </a:r>
+            <a:r>
+              <a:rPr lang="zh-CN" altLang="en-US" dirty="0"/>
+              <a:t>（不会过于复杂或混乱）。</a:t>
             </a:r>
           </a:p>
           <a:p>
             <a:pPr lvl="1"/>
             <a:r>
-              <a:rPr lang="zh-CN" altLang="en-US"/>
-              <a:t>语法高亮和着色。语法高亮和着色会更改程序各个部分的颜色，以便更容易识别程序的不同组件。这是一个包含行号和语法高亮的C ++程序示例：</a:t>
+              <a:rPr lang="zh-CN" altLang="en-US" dirty="0"/>
+              <a:t>它们</a:t>
+            </a:r>
+            <a:r>
+              <a:rPr lang="zh-CN" altLang="en-US" dirty="0">
+                <a:solidFill>
+                  <a:srgbClr val="FF0000"/>
+                </a:solidFill>
+              </a:rPr>
+              <a:t>有很好的文件记录</a:t>
+            </a:r>
+            <a:r>
+              <a:rPr lang="zh-CN" altLang="en-US" dirty="0"/>
+              <a:t>（特别是在任何假设或限制的情况下）。</a:t>
             </a:r>
           </a:p>
           <a:p>
             <a:pPr lvl="1"/>
             <a:r>
-              <a:rPr lang="zh-CN" altLang="en-US"/>
-              <a:t>明确的字体。非编程字体通常使得难以区分数字0和字母O，或数字1，字母l（小写字母L）和字母I（大写字母i）之间。一个好的编程字体将区分这些符号，以确保不会意外地使用一个符号代替另一个符号。</a:t>
-            </a:r>
-          </a:p>
-          <a:p>
-            <a:endParaRPr lang="zh-CN" altLang="en-US"/>
-          </a:p>
-          <a:p>
-            <a:r>
-              <a:rPr lang="zh-CN" altLang="en-US"/>
-              <a:t>在C ++中，您的程序通常称为name.cpp，其中name替换为您为程序选择的名称（例如计算器，hi-lo等等）。该的.cpp扩展告诉编译器（和你），这是一个包含C ++指令的C ++源代码文件。请注意，有些人使用扩展名.cc而不是.cpp，但我们建议您使用.cpp。</a:t>
+              <a:rPr lang="zh-CN" altLang="en-US" dirty="0"/>
+              <a:t>它们是</a:t>
+            </a:r>
+            <a:r>
+              <a:rPr lang="zh-CN" altLang="en-US" dirty="0">
+                <a:solidFill>
+                  <a:srgbClr val="FF0000"/>
+                </a:solidFill>
+              </a:rPr>
+              <a:t>模块化构建的</a:t>
+            </a:r>
+            <a:r>
+              <a:rPr lang="zh-CN" altLang="en-US" dirty="0"/>
+              <a:t>，因此可以在以后重复使用或更改部件，而不会影响程序的其他部分。</a:t>
+            </a:r>
+          </a:p>
+          <a:p>
+            <a:pPr lvl="1"/>
+            <a:r>
+              <a:rPr lang="zh-CN" altLang="en-US" dirty="0"/>
+              <a:t>它们</a:t>
+            </a:r>
+            <a:r>
+              <a:rPr lang="zh-CN" altLang="en-US" dirty="0" smtClean="0">
+                <a:solidFill>
+                  <a:srgbClr val="FF0000"/>
+                </a:solidFill>
+              </a:rPr>
+              <a:t>非常稳健</a:t>
+            </a:r>
+            <a:r>
+              <a:rPr lang="zh-CN" altLang="en-US" dirty="0" smtClean="0"/>
+              <a:t>，</a:t>
+            </a:r>
+            <a:r>
+              <a:rPr lang="zh-CN" altLang="en-US" dirty="0"/>
+              <a:t>可以在出现意外情况时恢复或提供有用的错误消息。</a:t>
             </a:r>
           </a:p>
         </p:txBody>
@@ -9531,21 +10264,12 @@
           <a:lstStyle/>
           <a:p>
             <a:r>
-              <a:rPr lang="zh-CN" altLang="en-US" b="0" dirty="0"/>
-              <a:t>第</a:t>
-            </a:r>
-            <a:r>
-              <a:rPr lang="en-US" altLang="zh-CN" b="0" dirty="0"/>
-              <a:t>4</a:t>
-            </a:r>
-            <a:r>
-              <a:rPr lang="zh-CN" altLang="en-US" b="0" dirty="0"/>
-              <a:t>步：编译源代码</a:t>
-            </a:r>
-            <a:r>
-              <a:rPr lang="zh-CN" altLang="en-US" dirty="0"/>
-              <a:t> </a:t>
-            </a:r>
+              <a:rPr lang="zh-CN" altLang="en-US">
+                <a:sym typeface="+mn-ea"/>
+              </a:rPr>
+              <a:t>第3步：编写程序</a:t>
+            </a:r>
+            <a:endParaRPr lang="zh-CN" altLang="en-US"/>
           </a:p>
         </p:txBody>
       </p:sp>
@@ -9565,164 +10289,121 @@
           <a:lstStyle/>
           <a:p>
             <a:r>
-              <a:rPr lang="en-US" altLang="zh-CN" dirty="0"/>
-              <a:t>C++</a:t>
-            </a:r>
-            <a:r>
               <a:rPr lang="zh-CN" altLang="en-US" dirty="0"/>
-              <a:t>编译器的工作是按顺序遍历程序中的每个源代码（</a:t>
-            </a:r>
-            <a:br>
+              <a:t>为了</a:t>
+            </a:r>
+            <a:r>
+              <a:rPr lang="zh-CN" altLang="en-US" dirty="0">
+                <a:solidFill>
+                  <a:srgbClr val="FF0000"/>
+                </a:solidFill>
+              </a:rPr>
+              <a:t>编写</a:t>
+            </a:r>
+            <a:r>
               <a:rPr lang="zh-CN" altLang="en-US" dirty="0"/>
-            </a:br>
-            <a:r>
-              <a:rPr lang="en-US" altLang="zh-CN" dirty="0"/>
-              <a:t>.</a:t>
-            </a:r>
-            <a:r>
-              <a:rPr lang="en-US" altLang="zh-CN" dirty="0" err="1"/>
-              <a:t>cpp</a:t>
-            </a:r>
-            <a:r>
-              <a:rPr lang="zh-CN" altLang="en-US" dirty="0"/>
-              <a:t>）文件，并执行两项重要任务</a:t>
+              <a:t>程序，我们需要两件事</a:t>
             </a:r>
             <a:r>
               <a:rPr lang="zh-CN" altLang="en-US" dirty="0" smtClean="0"/>
               <a:t>：</a:t>
             </a:r>
-            <a:endParaRPr lang="en-US" altLang="zh-CN" dirty="0"/>
+            <a:endParaRPr lang="en-US" altLang="zh-CN" dirty="0" smtClean="0"/>
           </a:p>
           <a:p>
             <a:pPr lvl="1"/>
             <a:r>
-              <a:rPr lang="en-US" altLang="zh-CN" dirty="0" smtClean="0"/>
-              <a:t>1</a:t>
-            </a:r>
-            <a:r>
-              <a:rPr lang="en-US" altLang="zh-CN" dirty="0"/>
-              <a:t>. </a:t>
+              <a:rPr lang="zh-CN" altLang="en-US" dirty="0" smtClean="0"/>
+              <a:t>首先</a:t>
             </a:r>
             <a:r>
               <a:rPr lang="zh-CN" altLang="en-US" dirty="0"/>
-              <a:t>检查代码确保其遵循</a:t>
-            </a:r>
-            <a:r>
-              <a:rPr lang="en-US" altLang="zh-CN" dirty="0"/>
-              <a:t>C ++</a:t>
+              <a:t>我们需要编程语言的</a:t>
+            </a:r>
+            <a:r>
+              <a:rPr lang="zh-CN" altLang="en-US" dirty="0" smtClean="0"/>
+              <a:t>知识，这正是本门课程所学的内容！</a:t>
+            </a:r>
+            <a:endParaRPr lang="en-US" altLang="zh-CN" dirty="0" smtClean="0"/>
+          </a:p>
+          <a:p>
+            <a:pPr lvl="1"/>
+            <a:r>
+              <a:rPr lang="zh-CN" altLang="en-US" dirty="0" smtClean="0"/>
+              <a:t>其次</a:t>
             </a:r>
             <a:r>
               <a:rPr lang="zh-CN" altLang="en-US" dirty="0"/>
-              <a:t>语言的</a:t>
+              <a:t>，我们需要一名编辑。可以使用您想要的任何编辑器编写程序，甚至可以</a:t>
             </a:r>
             <a:r>
               <a:rPr lang="zh-CN" altLang="en-US" dirty="0" smtClean="0"/>
-              <a:t>规则</a:t>
-            </a:r>
-            <a:endParaRPr lang="en-US" altLang="zh-CN" dirty="0" smtClean="0"/>
+              <a:t>像记事本</a:t>
+            </a:r>
+            <a:r>
+              <a:rPr lang="zh-CN" altLang="en-US" dirty="0"/>
+              <a:t>或Unix的vi或pico那样简单。</a:t>
+            </a:r>
+          </a:p>
+          <a:p>
+            <a:r>
+              <a:rPr lang="zh-CN" altLang="en-US" dirty="0"/>
+              <a:t>专为编码而设计的典型编辑器具有一些使编程更容易的功能，包括：</a:t>
+            </a:r>
           </a:p>
           <a:p>
             <a:pPr lvl="1"/>
             <a:r>
-              <a:rPr lang="en-US" altLang="zh-CN" dirty="0" smtClean="0"/>
-              <a:t>2</a:t>
-            </a:r>
-            <a:r>
-              <a:rPr lang="en-US" altLang="zh-CN" dirty="0"/>
-              <a:t>. </a:t>
+              <a:rPr lang="zh-CN" altLang="en-US" dirty="0">
+                <a:solidFill>
+                  <a:srgbClr val="FF0000"/>
+                </a:solidFill>
+              </a:rPr>
+              <a:t>行号</a:t>
             </a:r>
             <a:r>
               <a:rPr lang="zh-CN" altLang="en-US" dirty="0"/>
-              <a:t>将</a:t>
-            </a:r>
-            <a:r>
-              <a:rPr lang="en-US" altLang="zh-CN" dirty="0"/>
-              <a:t>C++</a:t>
+              <a:t>。当编译器给我们一个错误时，行编号很有用，因为典型的编译器错误会说明：某些错误代码/消息，第64行。如果没有显示行号的编辑器，找到第64行可能会非常麻烦。</a:t>
+            </a:r>
+          </a:p>
+          <a:p>
+            <a:pPr lvl="1"/>
+            <a:r>
+              <a:rPr lang="zh-CN" altLang="en-US" dirty="0">
+                <a:solidFill>
+                  <a:srgbClr val="FF0000"/>
+                </a:solidFill>
+              </a:rPr>
+              <a:t>语法高亮和着色</a:t>
             </a:r>
             <a:r>
               <a:rPr lang="zh-CN" altLang="en-US" dirty="0"/>
-              <a:t>源代码转换为称为目标文件的机器语言</a:t>
+              <a:t>。语法高亮和着色会更改程序各个部分的颜色，以便更容易识别程序的不同组件。这是一个包含行号和语法高亮的C ++程序示例：</a:t>
+            </a:r>
+          </a:p>
+          <a:p>
+            <a:pPr lvl="1"/>
+            <a:r>
+              <a:rPr lang="zh-CN" altLang="en-US" dirty="0">
+                <a:solidFill>
+                  <a:srgbClr val="FF0000"/>
+                </a:solidFill>
+              </a:rPr>
+              <a:t>明确的字体</a:t>
+            </a:r>
+            <a:r>
+              <a:rPr lang="zh-CN" altLang="en-US" dirty="0"/>
+              <a:t>。非编程字体通常使得难以区分数字0和字母O，或数字1，字母l（小写字母L）和字母I（大写字母i）之间。一个好的编程字体将区分这些符号，以确保不会意外地使用一个符号代替另一个符号</a:t>
             </a:r>
             <a:r>
               <a:rPr lang="zh-CN" altLang="en-US" dirty="0" smtClean="0"/>
-              <a:t>文件</a:t>
-            </a:r>
-            <a:endParaRPr lang="en-US" altLang="zh-CN" dirty="0"/>
-          </a:p>
-          <a:p>
-            <a:r>
-              <a:rPr lang="zh-CN" altLang="en-US" dirty="0" smtClean="0"/>
-              <a:t>如</a:t>
-            </a:r>
-            <a:r>
-              <a:rPr lang="zh-CN" altLang="en-US" dirty="0"/>
-              <a:t>程序中有</a:t>
-            </a:r>
-            <a:r>
-              <a:rPr lang="en-US" altLang="zh-CN" dirty="0"/>
-              <a:t>3</a:t>
-            </a:r>
-            <a:r>
-              <a:rPr lang="zh-CN" altLang="en-US" dirty="0"/>
-              <a:t>个</a:t>
-            </a:r>
-            <a:r>
-              <a:rPr lang="en-US" altLang="zh-CN" dirty="0"/>
-              <a:t>.</a:t>
-            </a:r>
-            <a:r>
-              <a:rPr lang="en-US" altLang="zh-CN" dirty="0" err="1"/>
-              <a:t>cpp</a:t>
-            </a:r>
-            <a:r>
-              <a:rPr lang="zh-CN" altLang="en-US" dirty="0"/>
-              <a:t>文件，编译器将生成</a:t>
-            </a:r>
-            <a:r>
-              <a:rPr lang="en-US" altLang="zh-CN" dirty="0"/>
-              <a:t>3</a:t>
-            </a:r>
-            <a:r>
-              <a:rPr lang="zh-CN" altLang="en-US" dirty="0"/>
-              <a:t>个目标文件：</a:t>
-            </a:r>
-            <a:r>
-              <a:rPr lang="zh-CN" altLang="en-US" dirty="0"/>
-              <a:t> </a:t>
-            </a:r>
+              <a:t>。</a:t>
+            </a:r>
+            <a:endParaRPr lang="zh-CN" altLang="en-US" dirty="0"/>
           </a:p>
         </p:txBody>
       </p:sp>
-      <p:pic>
-        <p:nvPicPr>
-          <p:cNvPr id="4" name="图片 3"/>
-          <p:cNvPicPr>
-            <a:picLocks noChangeAspect="1"/>
-          </p:cNvPicPr>
-          <p:nvPr/>
-        </p:nvPicPr>
-        <p:blipFill>
-          <a:blip r:embed="rId2"/>
-          <a:stretch>
-            <a:fillRect/>
-          </a:stretch>
-        </p:blipFill>
-        <p:spPr>
-          <a:xfrm>
-            <a:off x="986495" y="3196568"/>
-            <a:ext cx="6934545" cy="2794327"/>
-          </a:xfrm>
-          <a:prstGeom prst="rect">
-            <a:avLst/>
-          </a:prstGeom>
-        </p:spPr>
-      </p:pic>
     </p:spTree>
-    <p:extLst>
-      <p:ext uri="{BB962C8B-B14F-4D97-AF65-F5344CB8AC3E}">
-        <p14:creationId xmlns:p14="http://schemas.microsoft.com/office/powerpoint/2010/main" val="1608707898"/>
-      </p:ext>
-    </p:extLst>
   </p:cSld>
   <p:clrMapOvr>
     <a:masterClrMapping/>
@@ -9771,11 +10452,11 @@
             </a:r>
             <a:r>
               <a:rPr lang="en-US" altLang="zh-CN" b="0" dirty="0"/>
-              <a:t>5</a:t>
+              <a:t>4</a:t>
             </a:r>
             <a:r>
               <a:rPr lang="zh-CN" altLang="en-US" b="0" dirty="0"/>
-              <a:t>步：链接目标文件和库</a:t>
+              <a:t>步：编译源代码</a:t>
             </a:r>
             <a:r>
               <a:rPr lang="zh-CN" altLang="en-US" dirty="0"/>
@@ -9800,15 +10481,27 @@
           <a:lstStyle/>
           <a:p>
             <a:r>
+              <a:rPr lang="en-US" altLang="zh-CN" dirty="0"/>
+              <a:t>C++</a:t>
+            </a:r>
+            <a:r>
               <a:rPr lang="zh-CN" altLang="en-US" dirty="0"/>
-              <a:t>在编译器创建一个或多个目标文件之后，另一个称为链接</a:t>
+              <a:t>编译器的工作是按顺序遍历程序中的每个源代码（</a:t>
             </a:r>
             <a:br>
               <a:rPr lang="zh-CN" altLang="en-US" dirty="0"/>
             </a:br>
             <a:r>
+              <a:rPr lang="en-US" altLang="zh-CN" dirty="0"/>
+              <a:t>.</a:t>
+            </a:r>
+            <a:r>
+              <a:rPr lang="en-US" altLang="zh-CN" dirty="0" err="1"/>
+              <a:t>cpp</a:t>
+            </a:r>
+            <a:r>
               <a:rPr lang="zh-CN" altLang="en-US" dirty="0"/>
-              <a:t>器的程序启动。 链接器的工作有三个</a:t>
+              <a:t>）文件，并执行两项重要任务</a:t>
             </a:r>
             <a:r>
               <a:rPr lang="zh-CN" altLang="en-US" dirty="0" smtClean="0"/>
@@ -9827,14 +10520,30 @@
               <a:t>. </a:t>
             </a:r>
             <a:r>
+              <a:rPr lang="zh-CN" altLang="en-US" dirty="0">
+                <a:solidFill>
+                  <a:srgbClr val="FF0000"/>
+                </a:solidFill>
+              </a:rPr>
+              <a:t>检查代码</a:t>
+            </a:r>
+            <a:r>
               <a:rPr lang="zh-CN" altLang="en-US" dirty="0"/>
-              <a:t>将编译器所生成的所有目标文件组合成一个可执行</a:t>
+              <a:t>确保其遵循</a:t>
+            </a:r>
+            <a:r>
+              <a:rPr lang="en-US" altLang="zh-CN" dirty="0"/>
+              <a:t>C ++</a:t>
+            </a:r>
+            <a:r>
+              <a:rPr lang="zh-CN" altLang="en-US" dirty="0"/>
+              <a:t>语言的</a:t>
             </a:r>
             <a:r>
               <a:rPr lang="zh-CN" altLang="en-US" dirty="0" smtClean="0"/>
-              <a:t>程序</a:t>
-            </a:r>
-            <a:endParaRPr lang="en-US" altLang="zh-CN" dirty="0"/>
+              <a:t>规则</a:t>
+            </a:r>
+            <a:endParaRPr lang="en-US" altLang="zh-CN" dirty="0" smtClean="0"/>
           </a:p>
           <a:p>
             <a:pPr lvl="1"/>
@@ -9848,36 +10557,71 @@
             </a:r>
             <a:r>
               <a:rPr lang="zh-CN" altLang="en-US" dirty="0"/>
-              <a:t>除了能够链接目标文件之外，链接器还能够链接库</a:t>
-            </a:r>
+              <a:t>将</a:t>
+            </a:r>
+            <a:r>
+              <a:rPr lang="en-US" altLang="zh-CN" dirty="0"/>
+              <a:t>C++</a:t>
+            </a:r>
+            <a:r>
+              <a:rPr lang="zh-CN" altLang="en-US" dirty="0"/>
+              <a:t>源代码</a:t>
+            </a:r>
+            <a:r>
+              <a:rPr lang="zh-CN" altLang="en-US" dirty="0">
+                <a:solidFill>
+                  <a:srgbClr val="FF0000"/>
+                </a:solidFill>
+              </a:rPr>
+              <a:t>转换</a:t>
+            </a:r>
+            <a:r>
+              <a:rPr lang="zh-CN" altLang="en-US" dirty="0" smtClean="0">
+                <a:solidFill>
+                  <a:srgbClr val="FF0000"/>
+                </a:solidFill>
+              </a:rPr>
+              <a:t>为与机器语言对应的目标文件</a:t>
+            </a:r>
+            <a:endParaRPr lang="en-US" altLang="zh-CN" dirty="0"/>
+          </a:p>
+          <a:p>
             <a:r>
               <a:rPr lang="zh-CN" altLang="en-US" dirty="0" smtClean="0"/>
-              <a:t>文件</a:t>
-            </a:r>
-            <a:endParaRPr lang="en-US" altLang="zh-CN" dirty="0"/>
-          </a:p>
-          <a:p>
-            <a:pPr lvl="1"/>
-            <a:r>
-              <a:rPr lang="en-US" altLang="zh-CN" dirty="0" smtClean="0"/>
+              <a:t>如</a:t>
+            </a:r>
+            <a:r>
+              <a:rPr lang="zh-CN" altLang="en-US" dirty="0"/>
+              <a:t>程序中有</a:t>
+            </a:r>
+            <a:r>
+              <a:rPr lang="en-US" altLang="zh-CN" dirty="0"/>
               <a:t>3</a:t>
             </a:r>
             <a:r>
+              <a:rPr lang="zh-CN" altLang="en-US" dirty="0"/>
+              <a:t>个</a:t>
+            </a:r>
+            <a:r>
               <a:rPr lang="en-US" altLang="zh-CN" dirty="0"/>
-              <a:t>. </a:t>
+              <a:t>.</a:t>
+            </a:r>
+            <a:r>
+              <a:rPr lang="en-US" altLang="zh-CN" dirty="0" err="1"/>
+              <a:t>cpp</a:t>
             </a:r>
             <a:r>
               <a:rPr lang="zh-CN" altLang="en-US" dirty="0"/>
-              <a:t>确保所有跨文件依赖关系的正确性</a:t>
+              <a:t>文件，编译器将生成</a:t>
+            </a:r>
+            <a:r>
+              <a:rPr lang="en-US" altLang="zh-CN" dirty="0"/>
+              <a:t>3</a:t>
             </a:r>
             <a:r>
               <a:rPr lang="zh-CN" altLang="en-US" dirty="0"/>
-              <a:t> </a:t>
-            </a:r>
-            <a:br>
-              <a:rPr lang="zh-CN" altLang="en-US" dirty="0"/>
-            </a:br>
-            <a:endParaRPr lang="zh-CN" altLang="en-US" dirty="0"/>
+              <a:t>个目标文件： </a:t>
+            </a:r>
           </a:p>
         </p:txBody>
       </p:sp>
@@ -9897,8 +10641,8 @@
         </p:blipFill>
         <p:spPr>
           <a:xfrm>
-            <a:off x="1871662" y="2919413"/>
-            <a:ext cx="5538131" cy="3506506"/>
+            <a:off x="986495" y="3196568"/>
+            <a:ext cx="6934545" cy="2794327"/>
           </a:xfrm>
           <a:prstGeom prst="rect">
             <a:avLst/>
@@ -9908,7 +10652,7 @@
     </p:spTree>
     <p:extLst>
       <p:ext uri="{BB962C8B-B14F-4D97-AF65-F5344CB8AC3E}">
-        <p14:creationId xmlns:p14="http://schemas.microsoft.com/office/powerpoint/2010/main" val="3751525880"/>
+        <p14:creationId xmlns:p14="http://schemas.microsoft.com/office/powerpoint/2010/main" val="1608707898"/>
       </p:ext>
     </p:extLst>
   </p:cSld>
@@ -9954,26 +10698,21 @@
           <a:lstStyle/>
           <a:p>
             <a:r>
-              <a:rPr lang="zh-CN" altLang="en-US" dirty="0" smtClean="0"/>
-              <a:t>步骤</a:t>
-            </a:r>
-            <a:r>
-              <a:rPr lang="en-US" altLang="zh-CN" dirty="0" smtClean="0"/>
-              <a:t>6</a:t>
-            </a:r>
-            <a:r>
-              <a:rPr lang="zh-CN" altLang="en-US" dirty="0" smtClean="0"/>
-              <a:t>和</a:t>
-            </a:r>
-            <a:r>
-              <a:rPr lang="en-US" altLang="zh-CN" dirty="0" smtClean="0"/>
-              <a:t>7</a:t>
-            </a:r>
-            <a:r>
-              <a:rPr lang="zh-CN" altLang="en-US" dirty="0" smtClean="0"/>
-              <a:t>：调试和测试</a:t>
-            </a:r>
-            <a:endParaRPr lang="zh-CN" altLang="en-US" dirty="0"/>
+              <a:rPr lang="zh-CN" altLang="en-US" b="0" dirty="0"/>
+              <a:t>第</a:t>
+            </a:r>
+            <a:r>
+              <a:rPr lang="en-US" altLang="zh-CN" b="0" dirty="0"/>
+              <a:t>5</a:t>
+            </a:r>
+            <a:r>
+              <a:rPr lang="zh-CN" altLang="en-US" b="0" dirty="0"/>
+              <a:t>步：链接目标文件和库</a:t>
+            </a:r>
+            <a:r>
+              <a:rPr lang="zh-CN" altLang="en-US" dirty="0"/>
+              <a:t> </a:t>
+            </a:r>
           </a:p>
         </p:txBody>
       </p:sp>
@@ -9994,51 +10733,336 @@
           <a:p>
             <a:r>
               <a:rPr lang="zh-CN" altLang="en-US" dirty="0"/>
-              <a:t>这是有趣的部分（希望如此）！您可以运行可执行文件，</a:t>
+              <a:t>在编译器创建一个或多个目标文件之后，另一个称为</a:t>
+            </a:r>
+            <a:r>
+              <a:rPr lang="zh-CN" altLang="en-US" dirty="0">
+                <a:solidFill>
+                  <a:srgbClr val="FF0000"/>
+                </a:solidFill>
+              </a:rPr>
+              <a:t>链接</a:t>
+            </a:r>
+            <a:br>
+              <a:rPr lang="zh-CN" altLang="en-US" dirty="0">
+                <a:solidFill>
+                  <a:srgbClr val="FF0000"/>
+                </a:solidFill>
+              </a:rPr>
+            </a:br>
+            <a:r>
+              <a:rPr lang="zh-CN" altLang="en-US" dirty="0">
+                <a:solidFill>
+                  <a:srgbClr val="FF0000"/>
+                </a:solidFill>
+              </a:rPr>
+              <a:t>器</a:t>
+            </a:r>
+            <a:r>
+              <a:rPr lang="zh-CN" altLang="en-US" dirty="0"/>
+              <a:t>的程序启动。 链接器的工作有三个</a:t>
+            </a:r>
+            <a:r>
+              <a:rPr lang="zh-CN" altLang="en-US" dirty="0" smtClean="0"/>
+              <a:t>：</a:t>
+            </a:r>
+            <a:endParaRPr lang="en-US" altLang="zh-CN" dirty="0"/>
+          </a:p>
+          <a:p>
+            <a:pPr lvl="1"/>
+            <a:r>
+              <a:rPr lang="en-US" altLang="zh-CN" dirty="0" smtClean="0"/>
+              <a:t>1</a:t>
+            </a:r>
+            <a:r>
+              <a:rPr lang="en-US" altLang="zh-CN" dirty="0"/>
+              <a:t>. </a:t>
+            </a:r>
+            <a:r>
+              <a:rPr lang="zh-CN" altLang="en-US" dirty="0"/>
+              <a:t>将编译器所生成的所有目标文件</a:t>
+            </a:r>
+            <a:r>
+              <a:rPr lang="zh-CN" altLang="en-US" dirty="0">
+                <a:solidFill>
+                  <a:srgbClr val="FF0000"/>
+                </a:solidFill>
+              </a:rPr>
+              <a:t>组合成一个可执行</a:t>
+            </a:r>
+            <a:r>
+              <a:rPr lang="zh-CN" altLang="en-US" dirty="0" smtClean="0">
+                <a:solidFill>
+                  <a:srgbClr val="FF0000"/>
+                </a:solidFill>
+              </a:rPr>
+              <a:t>程序</a:t>
+            </a:r>
+            <a:endParaRPr lang="en-US" altLang="zh-CN" dirty="0">
+              <a:solidFill>
+                <a:srgbClr val="FF0000"/>
+              </a:solidFill>
+            </a:endParaRPr>
+          </a:p>
+          <a:p>
+            <a:pPr lvl="1"/>
+            <a:r>
+              <a:rPr lang="en-US" altLang="zh-CN" dirty="0" smtClean="0"/>
+              <a:t>2</a:t>
+            </a:r>
+            <a:r>
+              <a:rPr lang="en-US" altLang="zh-CN" dirty="0"/>
+              <a:t>. </a:t>
+            </a:r>
+            <a:r>
+              <a:rPr lang="zh-CN" altLang="en-US" dirty="0"/>
+              <a:t>除了能够链接目标文件之外，链接器还能够</a:t>
+            </a:r>
+            <a:r>
+              <a:rPr lang="zh-CN" altLang="en-US" dirty="0">
+                <a:solidFill>
+                  <a:srgbClr val="FF0000"/>
+                </a:solidFill>
+              </a:rPr>
+              <a:t>链接库</a:t>
+            </a:r>
+            <a:r>
+              <a:rPr lang="zh-CN" altLang="en-US" dirty="0" smtClean="0">
+                <a:solidFill>
+                  <a:srgbClr val="FF0000"/>
+                </a:solidFill>
+              </a:rPr>
+              <a:t>文件</a:t>
+            </a:r>
+            <a:endParaRPr lang="en-US" altLang="zh-CN" dirty="0">
+              <a:solidFill>
+                <a:srgbClr val="FF0000"/>
+              </a:solidFill>
+            </a:endParaRPr>
+          </a:p>
+          <a:p>
+            <a:pPr lvl="1"/>
+            <a:r>
+              <a:rPr lang="en-US" altLang="zh-CN" dirty="0" smtClean="0"/>
+              <a:t>3</a:t>
+            </a:r>
+            <a:r>
+              <a:rPr lang="en-US" altLang="zh-CN" dirty="0"/>
+              <a:t>. </a:t>
+            </a:r>
+            <a:r>
+              <a:rPr lang="zh-CN" altLang="en-US" dirty="0"/>
+              <a:t>确保所有跨</a:t>
+            </a:r>
+            <a:r>
+              <a:rPr lang="zh-CN" altLang="en-US" dirty="0">
+                <a:solidFill>
+                  <a:srgbClr val="FF0000"/>
+                </a:solidFill>
+              </a:rPr>
+              <a:t>文件依赖关系</a:t>
+            </a:r>
+            <a:r>
+              <a:rPr lang="zh-CN" altLang="en-US" dirty="0"/>
+              <a:t>的正确性 </a:t>
             </a:r>
             <a:br>
               <a:rPr lang="zh-CN" altLang="en-US" dirty="0"/>
             </a:br>
+            <a:endParaRPr lang="zh-CN" altLang="en-US" dirty="0"/>
+          </a:p>
+        </p:txBody>
+      </p:sp>
+      <p:pic>
+        <p:nvPicPr>
+          <p:cNvPr id="4" name="图片 3"/>
+          <p:cNvPicPr>
+            <a:picLocks noChangeAspect="1"/>
+          </p:cNvPicPr>
+          <p:nvPr/>
+        </p:nvPicPr>
+        <p:blipFill>
+          <a:blip r:embed="rId2"/>
+          <a:stretch>
+            <a:fillRect/>
+          </a:stretch>
+        </p:blipFill>
+        <p:spPr>
+          <a:xfrm>
+            <a:off x="1871662" y="2919413"/>
+            <a:ext cx="5538131" cy="3506506"/>
+          </a:xfrm>
+          <a:prstGeom prst="rect">
+            <a:avLst/>
+          </a:prstGeom>
+        </p:spPr>
+      </p:pic>
+    </p:spTree>
+    <p:extLst>
+      <p:ext uri="{BB962C8B-B14F-4D97-AF65-F5344CB8AC3E}">
+        <p14:creationId xmlns:p14="http://schemas.microsoft.com/office/powerpoint/2010/main" val="3751525880"/>
+      </p:ext>
+    </p:extLst>
+  </p:cSld>
+  <p:clrMapOvr>
+    <a:masterClrMapping/>
+  </p:clrMapOvr>
+  <p:transition>
+    <p:pull dir="ru"/>
+  </p:transition>
+</p:sld>
+</file>
+
+<file path=ppt/slides/slide25.xml><?xml version="1.0" encoding="utf-8"?>
+<p:sld xmlns:a="http://schemas.openxmlformats.org/drawingml/2006/main" xmlns:r="http://schemas.openxmlformats.org/officeDocument/2006/relationships" xmlns:p="http://schemas.openxmlformats.org/presentationml/2006/main">
+  <p:cSld>
+    <p:spTree>
+      <p:nvGrpSpPr>
+        <p:cNvPr id="1" name=""/>
+        <p:cNvGrpSpPr/>
+        <p:nvPr/>
+      </p:nvGrpSpPr>
+      <p:grpSpPr>
+        <a:xfrm>
+          <a:off x="0" y="0"/>
+          <a:ext cx="0" cy="0"/>
+          <a:chOff x="0" y="0"/>
+          <a:chExt cx="0" cy="0"/>
+        </a:xfrm>
+      </p:grpSpPr>
+      <p:sp>
+        <p:nvSpPr>
+          <p:cNvPr id="2" name="标题 1"/>
+          <p:cNvSpPr>
+            <a:spLocks noGrp="1"/>
+          </p:cNvSpPr>
+          <p:nvPr>
+            <p:ph type="title"/>
+          </p:nvPr>
+        </p:nvSpPr>
+        <p:spPr/>
+        <p:txBody>
+          <a:bodyPr/>
+          <a:lstStyle/>
+          <a:p>
+            <a:r>
+              <a:rPr lang="zh-CN" altLang="en-US" dirty="0" smtClean="0"/>
+              <a:t>步骤</a:t>
+            </a:r>
+            <a:r>
+              <a:rPr lang="en-US" altLang="zh-CN" dirty="0" smtClean="0"/>
+              <a:t>6</a:t>
+            </a:r>
+            <a:r>
+              <a:rPr lang="zh-CN" altLang="en-US" dirty="0" smtClean="0"/>
+              <a:t>和</a:t>
+            </a:r>
+            <a:r>
+              <a:rPr lang="en-US" altLang="zh-CN" dirty="0" smtClean="0"/>
+              <a:t>7</a:t>
+            </a:r>
+            <a:r>
+              <a:rPr lang="zh-CN" altLang="en-US" dirty="0" smtClean="0"/>
+              <a:t>：调试和测试</a:t>
+            </a:r>
+            <a:endParaRPr lang="zh-CN" altLang="en-US" dirty="0"/>
+          </a:p>
+        </p:txBody>
+      </p:sp>
+      <p:sp>
+        <p:nvSpPr>
+          <p:cNvPr id="3" name="内容占位符 2"/>
+          <p:cNvSpPr>
+            <a:spLocks noGrp="1"/>
+          </p:cNvSpPr>
+          <p:nvPr>
+            <p:ph idx="1"/>
+          </p:nvPr>
+        </p:nvSpPr>
+        <p:spPr/>
+        <p:txBody>
+          <a:bodyPr/>
+          <a:lstStyle/>
+          <a:p>
             <a:r>
               <a:rPr lang="zh-CN" altLang="en-US" dirty="0"/>
-              <a:t>看看它是否产生您期望的输出</a:t>
-            </a:r>
-            <a:r>
-              <a:rPr lang="zh-CN" altLang="en-US" dirty="0" smtClean="0"/>
-              <a:t>！</a:t>
-            </a:r>
-            <a:endParaRPr lang="en-US" altLang="zh-CN" dirty="0" smtClean="0"/>
-          </a:p>
-          <a:p>
-            <a:r>
-              <a:rPr lang="zh-CN" altLang="en-US" dirty="0" smtClean="0"/>
-              <a:t>如果</a:t>
-            </a:r>
-            <a:r>
-              <a:rPr lang="zh-CN" altLang="en-US" dirty="0"/>
-              <a:t>您的程序运行但无法正常工作，那么现在是时候进行</a:t>
+              <a:t>这是有趣的部分（希望如此）！您可以运行可执行文件，</a:t>
             </a:r>
             <a:br>
               <a:rPr lang="zh-CN" altLang="en-US" dirty="0"/>
             </a:br>
             <a:r>
               <a:rPr lang="zh-CN" altLang="en-US" dirty="0"/>
-              <a:t>一些调试以找出问题所在。我们将在后面的部分讨论如何</a:t>
+              <a:t>看看它是否产生您期望的输出</a:t>
+            </a:r>
+            <a:r>
+              <a:rPr lang="zh-CN" altLang="en-US" dirty="0" smtClean="0"/>
+              <a:t>！</a:t>
+            </a:r>
+            <a:endParaRPr lang="en-US" altLang="zh-CN" dirty="0" smtClean="0"/>
+          </a:p>
+          <a:p>
+            <a:r>
+              <a:rPr lang="zh-CN" altLang="en-US" dirty="0" smtClean="0"/>
+              <a:t>如果</a:t>
+            </a:r>
+            <a:r>
+              <a:rPr lang="zh-CN" altLang="en-US" dirty="0"/>
+              <a:t>您的程序运行但无法正常工作，那么现在是时候进行</a:t>
             </a:r>
             <a:br>
               <a:rPr lang="zh-CN" altLang="en-US" dirty="0"/>
             </a:br>
             <a:r>
               <a:rPr lang="zh-CN" altLang="en-US" dirty="0"/>
-              <a:t>测试程序以及如何更快地调试它们。</a:t>
-            </a:r>
-            <a:r>
-              <a:rPr lang="zh-CN" altLang="en-US" dirty="0"/>
-              <a:t> </a:t>
+              <a:t>一些调试以找出问题所在。我们将在后面的部分讨论如何</a:t>
             </a:r>
             <a:br>
               <a:rPr lang="zh-CN" altLang="en-US" dirty="0"/>
             </a:br>
+            <a:r>
+              <a:rPr lang="zh-CN" altLang="en-US" dirty="0"/>
+              <a:t>测试程序以及如何更快地调试它们。 </a:t>
+            </a:r>
+            <a:endParaRPr lang="en-US" altLang="zh-CN" dirty="0" smtClean="0"/>
+          </a:p>
+          <a:p>
+            <a:r>
+              <a:rPr lang="zh-CN" altLang="en-US" dirty="0" smtClean="0"/>
+              <a:t>调试和测试工作特别</a:t>
+            </a:r>
+            <a:r>
+              <a:rPr lang="zh-CN" altLang="en-US" dirty="0" smtClean="0">
+                <a:solidFill>
+                  <a:srgbClr val="FF0000"/>
+                </a:solidFill>
+              </a:rPr>
+              <a:t>重要</a:t>
+            </a:r>
+            <a:r>
+              <a:rPr lang="zh-CN" altLang="en-US" dirty="0" smtClean="0"/>
+              <a:t>。一般而言，调试和测试的工作量占到软件开发</a:t>
+            </a:r>
+            <a:r>
+              <a:rPr lang="en-US" altLang="zh-CN" dirty="0" smtClean="0">
+                <a:solidFill>
+                  <a:srgbClr val="FF0000"/>
+                </a:solidFill>
+              </a:rPr>
+              <a:t>80%</a:t>
+            </a:r>
+            <a:r>
+              <a:rPr lang="zh-CN" altLang="en-US" dirty="0" smtClean="0">
+                <a:solidFill>
+                  <a:srgbClr val="FF0000"/>
+                </a:solidFill>
+              </a:rPr>
+              <a:t>以上的工作量</a:t>
+            </a:r>
+            <a:r>
+              <a:rPr lang="zh-CN" altLang="en-US" dirty="0" smtClean="0"/>
+              <a:t>。</a:t>
+            </a:r>
             <a:endParaRPr lang="zh-CN" altLang="en-US" dirty="0"/>
           </a:p>
         </p:txBody>
@@ -10059,7 +11083,7 @@
 </p:sld>
 </file>
 
-<file path=ppt/slides/slide25.xml><?xml version="1.0" encoding="utf-8"?>
+<file path=ppt/slides/slide26.xml><?xml version="1.0" encoding="utf-8"?>
 <p:sld xmlns:a="http://schemas.openxmlformats.org/drawingml/2006/main" xmlns:r="http://schemas.openxmlformats.org/officeDocument/2006/relationships" xmlns:p="http://schemas.openxmlformats.org/presentationml/2006/main">
   <p:cSld>
     <p:spTree>
@@ -11057,7 +12081,7 @@
               </a:rPr>
               <a:t>。</a:t>
             </a:r>
-            <a:endParaRPr lang="zh-CN" altLang="en-US"/>
+            <a:endParaRPr lang="zh-CN" altLang="en-US" dirty="0"/>
           </a:p>
         </p:txBody>
       </p:sp>
@@ -11127,11 +12151,11 @@
           <a:lstStyle/>
           <a:p>
             <a:r>
-              <a:rPr lang="zh-CN" altLang="en-US"/>
+              <a:rPr lang="zh-CN" altLang="en-US" dirty="0"/>
               <a:t>计算机CPU是无法解读C++语言的。CPU可以直接理解的有限指令集称为</a:t>
             </a:r>
             <a:r>
-              <a:rPr lang="zh-CN" altLang="en-US">
+              <a:rPr lang="zh-CN" altLang="en-US" dirty="0">
                 <a:solidFill>
                   <a:srgbClr val="FF0000"/>
                 </a:solidFill>
@@ -11139,36 +12163,56 @@
               <a:t>机器代码</a:t>
             </a:r>
             <a:r>
-              <a:rPr lang="zh-CN" altLang="en-US"/>
-              <a:t>（或机器语言或指令集）。</a:t>
-            </a:r>
-          </a:p>
-          <a:p>
-            <a:r>
-              <a:rPr lang="zh-CN" altLang="en-US"/>
+              <a:rPr lang="zh-CN" altLang="en-US" dirty="0" smtClean="0"/>
+              <a:t>（</a:t>
+            </a:r>
+            <a:r>
+              <a:rPr lang="zh-CN" altLang="en-US" dirty="0" smtClean="0">
+                <a:solidFill>
+                  <a:srgbClr val="FF0000"/>
+                </a:solidFill>
+              </a:rPr>
+              <a:t>机器语言</a:t>
+            </a:r>
+            <a:r>
+              <a:rPr lang="zh-CN" altLang="en-US" dirty="0">
+                <a:solidFill>
+                  <a:srgbClr val="FF0000"/>
+                </a:solidFill>
+              </a:rPr>
+              <a:t>或指令集</a:t>
+            </a:r>
+            <a:r>
+              <a:rPr lang="zh-CN" altLang="en-US" dirty="0"/>
+              <a:t>）。</a:t>
+            </a:r>
+          </a:p>
+          <a:p>
+            <a:r>
+              <a:rPr lang="zh-CN" altLang="en-US" dirty="0"/>
               <a:t>这是一个示例机器语言指令： 10110000 01100001</a:t>
             </a:r>
           </a:p>
           <a:p>
             <a:r>
-              <a:rPr lang="zh-CN" altLang="en-US"/>
+              <a:rPr lang="zh-CN" altLang="en-US" dirty="0"/>
               <a:t>当计算机最初发明时，程序员必须直接用机器语言编写程序，这是一件非常困难和耗时的事情。</a:t>
             </a:r>
           </a:p>
           <a:p>
             <a:r>
-              <a:rPr lang="zh-CN" altLang="en-US">
+              <a:rPr lang="zh-CN" altLang="en-US" dirty="0">
                 <a:hlinkClick r:id="rId3" action="ppaction://hlinkfile"/>
               </a:rPr>
               <a:t>机器语言</a:t>
             </a:r>
             <a:r>
-              <a:rPr lang="en-US" altLang="zh-CN">
+              <a:rPr lang="en-US" altLang="zh-CN" dirty="0">
                 <a:hlinkClick r:id="rId3" action="ppaction://hlinkfile"/>
               </a:rPr>
               <a:t>Wikipedia</a:t>
             </a:r>
-            <a:endParaRPr lang="zh-CN" altLang="en-US"/>
+            <a:endParaRPr lang="zh-CN" altLang="en-US" dirty="0"/>
           </a:p>
         </p:txBody>
       </p:sp>
@@ -11238,41 +12282,127 @@
           <a:lstStyle/>
           <a:p>
             <a:r>
-              <a:rPr lang="zh-CN" altLang="en-US"/>
-              <a:t>因为机器语言对人类来说很难阅读和理解，所以就发明了汇编语言。在汇编语言中，每个指令由短缩写（而不是一组位）标识，并且可以使用名称和其他数字。</a:t>
-            </a:r>
-          </a:p>
-          <a:p>
-            <a:r>
-              <a:rPr lang="zh-CN" altLang="en-US"/>
+              <a:rPr lang="zh-CN" altLang="en-US" dirty="0" smtClean="0"/>
+              <a:t>因为人类对</a:t>
+            </a:r>
+            <a:r>
+              <a:rPr lang="zh-CN" altLang="en-US" dirty="0" smtClean="0"/>
+              <a:t>阅读</a:t>
+            </a:r>
+            <a:r>
+              <a:rPr lang="zh-CN" altLang="en-US" dirty="0"/>
+              <a:t>和</a:t>
+            </a:r>
+            <a:r>
+              <a:rPr lang="zh-CN" altLang="en-US" dirty="0"/>
+              <a:t>理解</a:t>
+            </a:r>
+            <a:r>
+              <a:rPr lang="zh-CN" altLang="en-US" dirty="0" smtClean="0"/>
+              <a:t>机器语言很难理解，</a:t>
+            </a:r>
+            <a:r>
+              <a:rPr lang="zh-CN" altLang="en-US" dirty="0"/>
+              <a:t>所以就发明了</a:t>
+            </a:r>
+            <a:r>
+              <a:rPr lang="zh-CN" altLang="en-US" dirty="0">
+                <a:solidFill>
+                  <a:srgbClr val="FF0000"/>
+                </a:solidFill>
+              </a:rPr>
+              <a:t>汇编语言</a:t>
+            </a:r>
+            <a:r>
+              <a:rPr lang="zh-CN" altLang="en-US" dirty="0"/>
+              <a:t>。在汇编语言中，每个指令由</a:t>
+            </a:r>
+            <a:r>
+              <a:rPr lang="zh-CN" altLang="en-US" dirty="0">
+                <a:solidFill>
+                  <a:srgbClr val="FF0000"/>
+                </a:solidFill>
+              </a:rPr>
+              <a:t>短缩写</a:t>
+            </a:r>
+            <a:r>
+              <a:rPr lang="zh-CN" altLang="en-US" dirty="0"/>
+              <a:t>（而不是一组位）标识，并且可以使用</a:t>
+            </a:r>
+            <a:r>
+              <a:rPr lang="zh-CN" altLang="en-US" dirty="0">
+                <a:solidFill>
+                  <a:srgbClr val="FF0000"/>
+                </a:solidFill>
+              </a:rPr>
+              <a:t>名称和其他数字</a:t>
+            </a:r>
+            <a:r>
+              <a:rPr lang="zh-CN" altLang="en-US" dirty="0"/>
+              <a:t>。</a:t>
+            </a:r>
+          </a:p>
+          <a:p>
+            <a:r>
+              <a:rPr lang="zh-CN" altLang="en-US" dirty="0"/>
               <a:t>以下是汇编语言中与上述相同的指令： mov al, 061h</a:t>
             </a:r>
           </a:p>
           <a:p>
             <a:r>
-              <a:rPr lang="zh-CN" altLang="en-US"/>
+              <a:rPr lang="zh-CN" altLang="en-US" dirty="0"/>
               <a:t>汇编语言比机器语言更容易读取和写入。但是，CPU无法直接理解汇编语言。</a:t>
             </a:r>
           </a:p>
           <a:p>
             <a:r>
-              <a:rPr lang="zh-CN" altLang="en-US"/>
-              <a:t>汇编语言也有些缺点</a:t>
-            </a:r>
+              <a:rPr lang="zh-CN" altLang="en-US" dirty="0"/>
+              <a:t>汇编语言也</a:t>
+            </a:r>
+            <a:r>
+              <a:rPr lang="zh-CN" altLang="en-US" dirty="0" smtClean="0"/>
+              <a:t>有缺点</a:t>
+            </a:r>
+            <a:endParaRPr lang="zh-CN" altLang="en-US" dirty="0"/>
           </a:p>
           <a:p>
             <a:pPr lvl="1"/>
             <a:r>
-              <a:rPr lang="zh-CN" altLang="en-US"/>
-              <a:t>首先，汇编语言仍需要大量指令来完成简单的任务。虽然单个指令本身在某种程度上是人类可读的，但了解整个程序正在做什么可能具有挑战性（这有点像试图通过单独查看每个字母来理解句子）。</a:t>
+              <a:rPr lang="zh-CN" altLang="en-US" dirty="0" smtClean="0"/>
+              <a:t>汇编语言</a:t>
+            </a:r>
+            <a:r>
+              <a:rPr lang="zh-CN" altLang="en-US" dirty="0"/>
+              <a:t>仍需要大量指令来完成简单的任务。虽然单个指令本身在某种程度上是人类可读的，但了解整个程序正在做什么可能具有挑战性（这有点像试图通过单独查看每个字母来理解句子）。</a:t>
             </a:r>
           </a:p>
           <a:p>
             <a:pPr lvl="1"/>
             <a:r>
-              <a:rPr lang="zh-CN" altLang="en-US"/>
-              <a:t>其次，汇编语言仍然不是非常便携 - 用一个CPU组装的程序可能不适用于使用不同指令集的硬件，并且必须重写或进行大量修改。</a:t>
-            </a:r>
+              <a:rPr lang="zh-CN" altLang="en-US" dirty="0" smtClean="0"/>
+              <a:t>汇编语言是面向指令集的，针对不同指令集的硬件，需要重写或修改相应的代码。如：</a:t>
+            </a:r>
+            <a:r>
+              <a:rPr lang="en-US" altLang="zh-CN" dirty="0" smtClean="0"/>
+              <a:t>Intel CPU </a:t>
+            </a:r>
+            <a:r>
+              <a:rPr lang="zh-CN" altLang="en-US" dirty="0" smtClean="0"/>
+              <a:t>和 </a:t>
+            </a:r>
+            <a:r>
+              <a:rPr lang="en-US" altLang="zh-CN" dirty="0" smtClean="0"/>
+              <a:t>AMD CPU</a:t>
+            </a:r>
+            <a:r>
+              <a:rPr lang="zh-CN" altLang="en-US" dirty="0" smtClean="0"/>
+              <a:t>的指令集就不完全相同</a:t>
+            </a:r>
+            <a:r>
+              <a:rPr lang="zh-CN" altLang="en-US" dirty="0" smtClean="0"/>
+              <a:t>。</a:t>
+            </a:r>
+            <a:endParaRPr lang="zh-CN" altLang="en-US" dirty="0"/>
           </a:p>
         </p:txBody>
       </p:sp>
@@ -11345,19 +12475,19 @@
           <a:lstStyle/>
           <a:p>
             <a:r>
-              <a:rPr lang="zh-CN" altLang="en-US"/>
+              <a:rPr lang="zh-CN" altLang="en-US" dirty="0"/>
               <a:t>为了解决可读性和可移植性问题，出现了新的编程语言，如C，C ++，Pascal（以及后来的Java，Javascript和Perl等语言）。这些语言被称为高级语言，它们旨在允许程序员编写程序而无需关心程序将运行在何种类型的计算机上。</a:t>
             </a:r>
           </a:p>
           <a:p>
             <a:r>
-              <a:rPr lang="zh-CN" altLang="en-US"/>
+              <a:rPr lang="zh-CN" altLang="en-US" dirty="0"/>
               <a:t>这是与C/C ++中相同的指令： a = 97;</a:t>
             </a:r>
           </a:p>
           <a:p>
             <a:r>
-              <a:rPr lang="zh-CN" altLang="en-US"/>
+              <a:rPr lang="zh-CN" altLang="en-US" dirty="0"/>
               <a:t>与汇编程序非常相似，用高级语言编写的程序必须翻译成计算机可以运行的格式。两种主要方式：编译和解释。</a:t>
             </a:r>
           </a:p>
@@ -11407,97 +12537,526 @@
           <a:lstStyle/>
           <a:p>
             <a:r>
-              <a:rPr lang="zh-CN" altLang="en-US"/>
-              <a:t>编译器</a:t>
-            </a:r>
-            <a:r>
-              <a:rPr lang="en-US" altLang="zh-CN"/>
-              <a:t>VS.</a:t>
-            </a:r>
-            <a:r>
-              <a:rPr lang="zh-CN" altLang="en-US"/>
-              <a:t>解释器</a:t>
-            </a:r>
+              <a:rPr lang="zh-CN" altLang="en-US" dirty="0" smtClean="0"/>
+              <a:t>不同类程序语言间的对比</a:t>
+            </a:r>
+            <a:endParaRPr lang="zh-CN" altLang="en-US" dirty="0"/>
           </a:p>
         </p:txBody>
       </p:sp>
-      <p:sp>
-        <p:nvSpPr>
+      <p:graphicFrame>
+        <p:nvGraphicFramePr>
           <p:cNvPr id="5" name="内容占位符 4"/>
-          <p:cNvSpPr>
-            <a:spLocks noGrp="1"/>
-          </p:cNvSpPr>
+          <p:cNvGraphicFramePr>
+            <a:graphicFrameLocks noGrp="1"/>
+          </p:cNvGraphicFramePr>
           <p:nvPr>
             <p:ph idx="1"/>
+            <p:extLst>
+              <p:ext uri="{D42A27DB-BD31-4B8C-83A1-F6EECF244321}">
+                <p14:modId xmlns:p14="http://schemas.microsoft.com/office/powerpoint/2010/main" val="327447904"/>
+              </p:ext>
+            </p:extLst>
           </p:nvPr>
-        </p:nvSpPr>
-        <p:spPr/>
-        <p:txBody>
-          <a:bodyPr/>
-          <a:lstStyle/>
-          <a:p>
-            <a:r>
-              <a:rPr lang="en-US" altLang="zh-CN"/>
-              <a:t>编译过程的简化表示</a:t>
-            </a:r>
-          </a:p>
-          <a:p>
-            <a:endParaRPr lang="en-US" altLang="zh-CN"/>
-          </a:p>
-          <a:p>
-            <a:endParaRPr lang="en-US" altLang="zh-CN"/>
-          </a:p>
-          <a:p>
-            <a:endParaRPr lang="en-US" altLang="zh-CN"/>
-          </a:p>
-          <a:p>
-            <a:endParaRPr lang="en-US" altLang="zh-CN">
-              <a:sym typeface="+mn-ea"/>
-            </a:endParaRPr>
-          </a:p>
-          <a:p>
-            <a:r>
-              <a:rPr lang="en-US" altLang="zh-CN">
-                <a:sym typeface="+mn-ea"/>
-              </a:rPr>
-              <a:t>解释过程的简化表示</a:t>
-            </a:r>
-          </a:p>
-          <a:p>
-            <a:endParaRPr lang="en-US" altLang="zh-CN"/>
-          </a:p>
-          <a:p>
-            <a:endParaRPr lang="en-US" altLang="zh-CN"/>
-          </a:p>
-          <a:p>
-            <a:r>
-              <a:rPr lang="zh-CN" altLang="en-US">
-                <a:hlinkClick r:id="rId3" action="ppaction://hlinkfile"/>
-              </a:rPr>
-              <a:t>有关编译与解释的讨论</a:t>
-            </a:r>
-            <a:endParaRPr lang="zh-CN" altLang="en-US"/>
-          </a:p>
-        </p:txBody>
-      </p:sp>
+        </p:nvGraphicFramePr>
+        <p:xfrm>
+          <a:off x="457200" y="1145359"/>
+          <a:ext cx="8229599" cy="2225040"/>
+        </p:xfrm>
+        <a:graphic>
+          <a:graphicData uri="http://schemas.openxmlformats.org/drawingml/2006/table">
+            <a:tbl>
+              <a:tblPr firstRow="1" bandRow="1">
+                <a:tableStyleId>{21E4AEA4-8DFA-4A89-87EB-49C32662AFE0}</a:tableStyleId>
+              </a:tblPr>
+              <a:tblGrid>
+                <a:gridCol w="1324303"/>
+                <a:gridCol w="1434663"/>
+                <a:gridCol w="3831020"/>
+                <a:gridCol w="1639613"/>
+              </a:tblGrid>
+              <a:tr h="370840">
+                <a:tc>
+                  <a:txBody>
+                    <a:bodyPr/>
+                    <a:lstStyle/>
+                    <a:p>
+                      <a:pPr algn="ctr"/>
+                      <a:r>
+                        <a:rPr lang="zh-CN" altLang="en-US" dirty="0" smtClean="0"/>
+                        <a:t>语言</a:t>
+                      </a:r>
+                      <a:endParaRPr lang="zh-CN" altLang="en-US" dirty="0">
+                        <a:solidFill>
+                          <a:schemeClr val="tx1"/>
+                        </a:solidFill>
+                      </a:endParaRPr>
+                    </a:p>
+                  </a:txBody>
+                  <a:tcPr/>
+                </a:tc>
+                <a:tc>
+                  <a:txBody>
+                    <a:bodyPr/>
+                    <a:lstStyle/>
+                    <a:p>
+                      <a:pPr algn="ctr"/>
+                      <a:r>
+                        <a:rPr lang="zh-CN" altLang="en-US" dirty="0" smtClean="0"/>
+                        <a:t>执行效率</a:t>
+                      </a:r>
+                      <a:endParaRPr lang="zh-CN" altLang="en-US" dirty="0">
+                        <a:solidFill>
+                          <a:schemeClr val="tx1"/>
+                        </a:solidFill>
+                      </a:endParaRPr>
+                    </a:p>
+                  </a:txBody>
+                  <a:tcPr/>
+                </a:tc>
+                <a:tc>
+                  <a:txBody>
+                    <a:bodyPr/>
+                    <a:lstStyle/>
+                    <a:p>
+                      <a:pPr algn="ctr"/>
+                      <a:r>
+                        <a:rPr lang="zh-CN" altLang="en-US" dirty="0" smtClean="0"/>
+                        <a:t>可读性</a:t>
+                      </a:r>
+                      <a:endParaRPr lang="zh-CN" altLang="en-US" dirty="0">
+                        <a:solidFill>
+                          <a:schemeClr val="tx1"/>
+                        </a:solidFill>
+                      </a:endParaRPr>
+                    </a:p>
+                  </a:txBody>
+                  <a:tcPr/>
+                </a:tc>
+                <a:tc>
+                  <a:txBody>
+                    <a:bodyPr/>
+                    <a:lstStyle/>
+                    <a:p>
+                      <a:pPr algn="ctr"/>
+                      <a:r>
+                        <a:rPr lang="zh-CN" altLang="en-US" dirty="0" smtClean="0"/>
+                        <a:t>移植性</a:t>
+                      </a:r>
+                      <a:endParaRPr lang="zh-CN" altLang="en-US" dirty="0">
+                        <a:solidFill>
+                          <a:schemeClr val="tx1"/>
+                        </a:solidFill>
+                      </a:endParaRPr>
+                    </a:p>
+                  </a:txBody>
+                  <a:tcPr/>
+                </a:tc>
+              </a:tr>
+              <a:tr h="370840">
+                <a:tc>
+                  <a:txBody>
+                    <a:bodyPr/>
+                    <a:lstStyle/>
+                    <a:p>
+                      <a:r>
+                        <a:rPr lang="zh-CN" altLang="en-US" dirty="0" smtClean="0"/>
+                        <a:t>机器语言</a:t>
+                      </a:r>
+                      <a:endParaRPr lang="zh-CN" altLang="en-US" dirty="0"/>
+                    </a:p>
+                  </a:txBody>
+                  <a:tcPr/>
+                </a:tc>
+                <a:tc>
+                  <a:txBody>
+                    <a:bodyPr/>
+                    <a:lstStyle/>
+                    <a:p>
+                      <a:pPr algn="ctr"/>
+                      <a:r>
+                        <a:rPr lang="zh-CN" altLang="en-US" dirty="0" smtClean="0"/>
+                        <a:t>高</a:t>
+                      </a:r>
+                      <a:endParaRPr lang="zh-CN" altLang="en-US" dirty="0"/>
+                    </a:p>
+                  </a:txBody>
+                  <a:tcPr/>
+                </a:tc>
+                <a:tc>
+                  <a:txBody>
+                    <a:bodyPr/>
+                    <a:lstStyle/>
+                    <a:p>
+                      <a:pPr algn="ctr"/>
+                      <a:r>
+                        <a:rPr lang="zh-CN" altLang="en-US" dirty="0" smtClean="0"/>
+                        <a:t>晦涩难懂</a:t>
+                      </a:r>
+                      <a:endParaRPr lang="zh-CN" altLang="en-US" dirty="0"/>
+                    </a:p>
+                  </a:txBody>
+                  <a:tcPr/>
+                </a:tc>
+                <a:tc>
+                  <a:txBody>
+                    <a:bodyPr/>
+                    <a:lstStyle/>
+                    <a:p>
+                      <a:pPr algn="ctr"/>
+                      <a:endParaRPr lang="zh-CN" altLang="en-US" dirty="0"/>
+                    </a:p>
+                  </a:txBody>
+                  <a:tcPr/>
+                </a:tc>
+              </a:tr>
+              <a:tr h="370840">
+                <a:tc>
+                  <a:txBody>
+                    <a:bodyPr/>
+                    <a:lstStyle/>
+                    <a:p>
+                      <a:r>
+                        <a:rPr lang="zh-CN" altLang="en-US" dirty="0" smtClean="0"/>
+                        <a:t>汇编语言</a:t>
+                      </a:r>
+                      <a:endParaRPr lang="zh-CN" altLang="en-US" dirty="0"/>
+                    </a:p>
+                  </a:txBody>
+                  <a:tcPr/>
+                </a:tc>
+                <a:tc>
+                  <a:txBody>
+                    <a:bodyPr/>
+                    <a:lstStyle/>
+                    <a:p>
+                      <a:pPr algn="ctr"/>
+                      <a:r>
+                        <a:rPr lang="zh-CN" altLang="en-US" dirty="0" smtClean="0"/>
+                        <a:t>高</a:t>
+                      </a:r>
+                      <a:endParaRPr lang="zh-CN" altLang="en-US" dirty="0"/>
+                    </a:p>
+                  </a:txBody>
+                  <a:tcPr/>
+                </a:tc>
+                <a:tc>
+                  <a:txBody>
+                    <a:bodyPr/>
+                    <a:lstStyle/>
+                    <a:p>
+                      <a:pPr algn="ctr"/>
+                      <a:r>
+                        <a:rPr lang="zh-CN" altLang="en-US" dirty="0" smtClean="0"/>
+                        <a:t>指令别名，程序逻辑仍难理解</a:t>
+                      </a:r>
+                      <a:endParaRPr lang="zh-CN" altLang="en-US" dirty="0"/>
+                    </a:p>
+                  </a:txBody>
+                  <a:tcPr/>
+                </a:tc>
+                <a:tc>
+                  <a:txBody>
+                    <a:bodyPr/>
+                    <a:lstStyle/>
+                    <a:p>
+                      <a:pPr algn="ctr"/>
+                      <a:endParaRPr lang="zh-CN" altLang="en-US" dirty="0"/>
+                    </a:p>
+                  </a:txBody>
+                  <a:tcPr/>
+                </a:tc>
+              </a:tr>
+              <a:tr h="370840">
+                <a:tc rowSpan="2">
+                  <a:txBody>
+                    <a:bodyPr/>
+                    <a:lstStyle/>
+                    <a:p>
+                      <a:r>
+                        <a:rPr lang="zh-CN" altLang="en-US" dirty="0" smtClean="0"/>
+                        <a:t>高级语言</a:t>
+                      </a:r>
+                      <a:endParaRPr lang="zh-CN" altLang="en-US" dirty="0"/>
+                    </a:p>
+                  </a:txBody>
+                  <a:tcPr anchor="ctr"/>
+                </a:tc>
+                <a:tc>
+                  <a:txBody>
+                    <a:bodyPr/>
+                    <a:lstStyle/>
+                    <a:p>
+                      <a:pPr algn="ctr"/>
+                      <a:r>
+                        <a:rPr lang="zh-CN" altLang="en-US" dirty="0" smtClean="0"/>
+                        <a:t>高</a:t>
+                      </a:r>
+                      <a:endParaRPr lang="zh-CN" altLang="en-US" dirty="0"/>
+                    </a:p>
+                  </a:txBody>
+                  <a:tcPr/>
+                </a:tc>
+                <a:tc>
+                  <a:txBody>
+                    <a:bodyPr/>
+                    <a:lstStyle/>
+                    <a:p>
+                      <a:pPr algn="ctr"/>
+                      <a:r>
+                        <a:rPr lang="zh-CN" altLang="en-US" dirty="0" smtClean="0"/>
+                        <a:t>可读性好</a:t>
+                      </a:r>
+                      <a:endParaRPr lang="zh-CN" altLang="en-US" dirty="0"/>
+                    </a:p>
+                  </a:txBody>
+                  <a:tcPr/>
+                </a:tc>
+                <a:tc>
+                  <a:txBody>
+                    <a:bodyPr/>
+                    <a:lstStyle/>
+                    <a:p>
+                      <a:pPr algn="ctr"/>
+                      <a:endParaRPr lang="zh-CN" altLang="en-US" dirty="0"/>
+                    </a:p>
+                  </a:txBody>
+                  <a:tcPr/>
+                </a:tc>
+              </a:tr>
+              <a:tr h="370840">
+                <a:tc vMerge="1">
+                  <a:txBody>
+                    <a:bodyPr/>
+                    <a:lstStyle/>
+                    <a:p>
+                      <a:endParaRPr lang="zh-CN" altLang="en-US" dirty="0"/>
+                    </a:p>
+                  </a:txBody>
+                  <a:tcPr>
+                    <a:lnL w="12700" cap="flat" cmpd="sng" algn="ctr">
+                      <a:solidFill>
+                        <a:schemeClr val="tx1"/>
+                      </a:solidFill>
+                      <a:prstDash val="solid"/>
+                      <a:round/>
+                      <a:headEnd type="none" w="med" len="med"/>
+                      <a:tailEnd type="none" w="med" len="med"/>
+                    </a:lnL>
+                    <a:lnR w="12700" cap="flat" cmpd="sng" algn="ctr">
+                      <a:solidFill>
+                        <a:schemeClr val="tx1"/>
+                      </a:solidFill>
+                      <a:prstDash val="solid"/>
+                      <a:round/>
+                      <a:headEnd type="none" w="med" len="med"/>
+                      <a:tailEnd type="none" w="med" len="med"/>
+                    </a:lnR>
+                    <a:lnT w="12700" cap="flat" cmpd="sng" algn="ctr">
+                      <a:solidFill>
+                        <a:schemeClr val="tx1"/>
+                      </a:solidFill>
+                      <a:prstDash val="solid"/>
+                      <a:round/>
+                      <a:headEnd type="none" w="med" len="med"/>
+                      <a:tailEnd type="none" w="med" len="med"/>
+                    </a:lnT>
+                    <a:lnB w="12700" cap="flat" cmpd="sng" algn="ctr">
+                      <a:solidFill>
+                        <a:schemeClr val="tx1"/>
+                      </a:solidFill>
+                      <a:prstDash val="solid"/>
+                      <a:round/>
+                      <a:headEnd type="none" w="med" len="med"/>
+                      <a:tailEnd type="none" w="med" len="med"/>
+                    </a:lnB>
+                  </a:tcPr>
+                </a:tc>
+                <a:tc>
+                  <a:txBody>
+                    <a:bodyPr/>
+                    <a:lstStyle/>
+                    <a:p>
+                      <a:pPr algn="ctr"/>
+                      <a:r>
+                        <a:rPr lang="zh-CN" altLang="en-US" dirty="0" smtClean="0"/>
+                        <a:t>中</a:t>
+                      </a:r>
+                      <a:endParaRPr lang="zh-CN" altLang="en-US" dirty="0"/>
+                    </a:p>
+                  </a:txBody>
+                  <a:tcPr/>
+                </a:tc>
+                <a:tc>
+                  <a:txBody>
+                    <a:bodyPr/>
+                    <a:lstStyle/>
+                    <a:p>
+                      <a:pPr algn="ctr"/>
+                      <a:r>
+                        <a:rPr lang="zh-CN" altLang="en-US" dirty="0" smtClean="0"/>
+                        <a:t>接近自然语言</a:t>
+                      </a:r>
+                      <a:endParaRPr lang="zh-CN" altLang="en-US" dirty="0"/>
+                    </a:p>
+                  </a:txBody>
+                  <a:tcPr/>
+                </a:tc>
+                <a:tc>
+                  <a:txBody>
+                    <a:bodyPr/>
+                    <a:lstStyle/>
+                    <a:p>
+                      <a:pPr marL="0" marR="0" lvl="0" indent="0" algn="ctr" defTabSz="914400" rtl="0" eaLnBrk="1" fontAlgn="auto" latinLnBrk="0" hangingPunct="1">
+                        <a:lnSpc>
+                          <a:spcPct val="100000"/>
+                        </a:lnSpc>
+                        <a:spcBef>
+                          <a:spcPts val="0"/>
+                        </a:spcBef>
+                        <a:spcAft>
+                          <a:spcPts val="0"/>
+                        </a:spcAft>
+                        <a:buClrTx/>
+                        <a:buSzTx/>
+                        <a:buFontTx/>
+                        <a:buNone/>
+                        <a:tabLst/>
+                        <a:defRPr/>
+                      </a:pPr>
+                      <a:endParaRPr lang="zh-CN" altLang="en-US" dirty="0"/>
+                    </a:p>
+                  </a:txBody>
+                  <a:tcPr/>
+                </a:tc>
+              </a:tr>
+              <a:tr h="370840">
+                <a:tc>
+                  <a:txBody>
+                    <a:bodyPr/>
+                    <a:lstStyle/>
+                    <a:p>
+                      <a:r>
+                        <a:rPr lang="zh-CN" altLang="en-US" dirty="0" smtClean="0"/>
+                        <a:t>自然语言</a:t>
+                      </a:r>
+                      <a:endParaRPr lang="zh-CN" altLang="en-US" dirty="0"/>
+                    </a:p>
+                  </a:txBody>
+                  <a:tcPr/>
+                </a:tc>
+                <a:tc>
+                  <a:txBody>
+                    <a:bodyPr/>
+                    <a:lstStyle/>
+                    <a:p>
+                      <a:pPr algn="ctr"/>
+                      <a:r>
+                        <a:rPr lang="zh-CN" altLang="en-US" dirty="0" smtClean="0"/>
+                        <a:t>？</a:t>
+                      </a:r>
+                      <a:endParaRPr lang="zh-CN" altLang="en-US" dirty="0"/>
+                    </a:p>
+                  </a:txBody>
+                  <a:tcPr/>
+                </a:tc>
+                <a:tc>
+                  <a:txBody>
+                    <a:bodyPr/>
+                    <a:lstStyle/>
+                    <a:p>
+                      <a:pPr algn="ctr"/>
+                      <a:r>
+                        <a:rPr lang="zh-CN" altLang="en-US" dirty="0" smtClean="0"/>
+                        <a:t>自然语言</a:t>
+                      </a:r>
+                      <a:endParaRPr lang="zh-CN" altLang="en-US" dirty="0"/>
+                    </a:p>
+                  </a:txBody>
+                  <a:tcPr/>
+                </a:tc>
+                <a:tc>
+                  <a:txBody>
+                    <a:bodyPr/>
+                    <a:lstStyle/>
+                    <a:p>
+                      <a:pPr algn="ctr"/>
+                      <a:endParaRPr lang="zh-CN" altLang="en-US" dirty="0"/>
+                    </a:p>
+                  </a:txBody>
+                  <a:tcPr/>
+                </a:tc>
+              </a:tr>
+            </a:tbl>
+          </a:graphicData>
+        </a:graphic>
+      </p:graphicFrame>
       <p:pic>
         <p:nvPicPr>
-          <p:cNvPr id="9" name="图片 8"/>
+          <p:cNvPr id="6" name="图片 5"/>
           <p:cNvPicPr>
             <a:picLocks noChangeAspect="1"/>
           </p:cNvPicPr>
           <p:nvPr/>
         </p:nvPicPr>
         <p:blipFill>
-          <a:blip r:embed="rId4"/>
+          <a:blip r:embed="rId2"/>
           <a:stretch>
             <a:fillRect/>
           </a:stretch>
         </p:blipFill>
         <p:spPr>
           <a:xfrm>
-            <a:off x="730885" y="1315085"/>
-            <a:ext cx="6109970" cy="1949450"/>
+            <a:off x="7325250" y="2273764"/>
+            <a:ext cx="303472" cy="328762"/>
+          </a:xfrm>
+          <a:prstGeom prst="rect">
+            <a:avLst/>
+          </a:prstGeom>
+        </p:spPr>
+      </p:pic>
+      <p:pic>
+        <p:nvPicPr>
+          <p:cNvPr id="7" name="图片 6"/>
+          <p:cNvPicPr>
+            <a:picLocks noChangeAspect="1"/>
+          </p:cNvPicPr>
+          <p:nvPr/>
+        </p:nvPicPr>
+        <p:blipFill>
+          <a:blip r:embed="rId2"/>
+          <a:stretch>
+            <a:fillRect/>
+          </a:stretch>
+        </p:blipFill>
+        <p:spPr>
+          <a:xfrm>
+            <a:off x="7668618" y="2629549"/>
+            <a:ext cx="303472" cy="328762"/>
+          </a:xfrm>
+          <a:prstGeom prst="rect">
+            <a:avLst/>
+          </a:prstGeom>
+        </p:spPr>
+      </p:pic>
+      <p:pic>
+        <p:nvPicPr>
+          <p:cNvPr id="8" name="图片 7"/>
+          <p:cNvPicPr>
+            <a:picLocks noChangeAspect="1"/>
+          </p:cNvPicPr>
+          <p:nvPr/>
+        </p:nvPicPr>
+        <p:blipFill>
+          <a:blip r:embed="rId2"/>
+          <a:stretch>
+            <a:fillRect/>
+          </a:stretch>
+        </p:blipFill>
+        <p:spPr>
+          <a:xfrm>
+            <a:off x="7658112" y="3021013"/>
+            <a:ext cx="303472" cy="328762"/>
           </a:xfrm>
           <a:prstGeom prst="rect">
             <a:avLst/>
@@ -11513,22 +13072,365 @@
           <p:nvPr/>
         </p:nvPicPr>
         <p:blipFill>
-          <a:blip r:embed="rId5"/>
+          <a:blip r:embed="rId2"/>
           <a:stretch>
             <a:fillRect/>
           </a:stretch>
         </p:blipFill>
         <p:spPr>
           <a:xfrm>
-            <a:off x="730885" y="4277995"/>
-            <a:ext cx="8176895" cy="857885"/>
+            <a:off x="7334919" y="3006001"/>
+            <a:ext cx="303472" cy="328762"/>
           </a:xfrm>
           <a:prstGeom prst="rect">
             <a:avLst/>
           </a:prstGeom>
         </p:spPr>
       </p:pic>
+      <p:pic>
+        <p:nvPicPr>
+          <p:cNvPr id="11" name="图片 10"/>
+          <p:cNvPicPr>
+            <a:picLocks noChangeAspect="1"/>
+          </p:cNvPicPr>
+          <p:nvPr/>
+        </p:nvPicPr>
+        <p:blipFill>
+          <a:blip r:embed="rId2"/>
+          <a:stretch>
+            <a:fillRect/>
+          </a:stretch>
+        </p:blipFill>
+        <p:spPr>
+          <a:xfrm>
+            <a:off x="7365146" y="2645134"/>
+            <a:ext cx="303472" cy="328762"/>
+          </a:xfrm>
+          <a:prstGeom prst="rect">
+            <a:avLst/>
+          </a:prstGeom>
+        </p:spPr>
+      </p:pic>
+      <p:pic>
+        <p:nvPicPr>
+          <p:cNvPr id="13" name="图片 12"/>
+          <p:cNvPicPr>
+            <a:picLocks noChangeAspect="1"/>
+          </p:cNvPicPr>
+          <p:nvPr/>
+        </p:nvPicPr>
+        <p:blipFill>
+          <a:blip r:embed="rId3"/>
+          <a:stretch>
+            <a:fillRect/>
+          </a:stretch>
+        </p:blipFill>
+        <p:spPr>
+          <a:xfrm>
+            <a:off x="7735637" y="1538985"/>
+            <a:ext cx="395105" cy="342425"/>
+          </a:xfrm>
+          <a:prstGeom prst="rect">
+            <a:avLst/>
+          </a:prstGeom>
+        </p:spPr>
+      </p:pic>
+      <p:pic>
+        <p:nvPicPr>
+          <p:cNvPr id="14" name="图片 13"/>
+          <p:cNvPicPr>
+            <a:picLocks noChangeAspect="1"/>
+          </p:cNvPicPr>
+          <p:nvPr/>
+        </p:nvPicPr>
+        <p:blipFill>
+          <a:blip r:embed="rId3"/>
+          <a:stretch>
+            <a:fillRect/>
+          </a:stretch>
+        </p:blipFill>
+        <p:spPr>
+          <a:xfrm>
+            <a:off x="5607292" y="1527988"/>
+            <a:ext cx="395105" cy="342425"/>
+          </a:xfrm>
+          <a:prstGeom prst="rect">
+            <a:avLst/>
+          </a:prstGeom>
+        </p:spPr>
+      </p:pic>
+      <p:pic>
+        <p:nvPicPr>
+          <p:cNvPr id="16" name="图片 15"/>
+          <p:cNvPicPr>
+            <a:picLocks noChangeAspect="1"/>
+          </p:cNvPicPr>
+          <p:nvPr/>
+        </p:nvPicPr>
+        <p:blipFill>
+          <a:blip r:embed="rId3"/>
+          <a:stretch>
+            <a:fillRect/>
+          </a:stretch>
+        </p:blipFill>
+        <p:spPr>
+          <a:xfrm>
+            <a:off x="7367932" y="1527853"/>
+            <a:ext cx="395105" cy="342425"/>
+          </a:xfrm>
+          <a:prstGeom prst="rect">
+            <a:avLst/>
+          </a:prstGeom>
+        </p:spPr>
+      </p:pic>
+      <p:pic>
+        <p:nvPicPr>
+          <p:cNvPr id="17" name="图片 16"/>
+          <p:cNvPicPr>
+            <a:picLocks noChangeAspect="1"/>
+          </p:cNvPicPr>
+          <p:nvPr/>
+        </p:nvPicPr>
+        <p:blipFill>
+          <a:blip r:embed="rId3"/>
+          <a:stretch>
+            <a:fillRect/>
+          </a:stretch>
+        </p:blipFill>
+        <p:spPr>
+          <a:xfrm>
+            <a:off x="7325250" y="1918091"/>
+            <a:ext cx="395105" cy="342425"/>
+          </a:xfrm>
+          <a:prstGeom prst="rect">
+            <a:avLst/>
+          </a:prstGeom>
+        </p:spPr>
+      </p:pic>
+      <p:pic>
+        <p:nvPicPr>
+          <p:cNvPr id="18" name="图片 17"/>
+          <p:cNvPicPr>
+            <a:picLocks noChangeAspect="1"/>
+          </p:cNvPicPr>
+          <p:nvPr/>
+        </p:nvPicPr>
+        <p:blipFill>
+          <a:blip r:embed="rId3"/>
+          <a:stretch>
+            <a:fillRect/>
+          </a:stretch>
+        </p:blipFill>
+        <p:spPr>
+          <a:xfrm>
+            <a:off x="6002397" y="1524238"/>
+            <a:ext cx="395105" cy="342425"/>
+          </a:xfrm>
+          <a:prstGeom prst="rect">
+            <a:avLst/>
+          </a:prstGeom>
+        </p:spPr>
+      </p:pic>
+      <p:pic>
+        <p:nvPicPr>
+          <p:cNvPr id="19" name="图片 18"/>
+          <p:cNvPicPr>
+            <a:picLocks noChangeAspect="1"/>
+          </p:cNvPicPr>
+          <p:nvPr/>
+        </p:nvPicPr>
+        <p:blipFill>
+          <a:blip r:embed="rId3"/>
+          <a:stretch>
+            <a:fillRect/>
+          </a:stretch>
+        </p:blipFill>
+        <p:spPr>
+          <a:xfrm>
+            <a:off x="6659800" y="1881410"/>
+            <a:ext cx="395105" cy="342425"/>
+          </a:xfrm>
+          <a:prstGeom prst="rect">
+            <a:avLst/>
+          </a:prstGeom>
+        </p:spPr>
+      </p:pic>
+      <p:pic>
+        <p:nvPicPr>
+          <p:cNvPr id="20" name="图片 19"/>
+          <p:cNvPicPr>
+            <a:picLocks noChangeAspect="1"/>
+          </p:cNvPicPr>
+          <p:nvPr/>
+        </p:nvPicPr>
+        <p:blipFill>
+          <a:blip r:embed="rId2"/>
+          <a:stretch>
+            <a:fillRect/>
+          </a:stretch>
+        </p:blipFill>
+        <p:spPr>
+          <a:xfrm>
+            <a:off x="5619788" y="2260516"/>
+            <a:ext cx="303472" cy="328762"/>
+          </a:xfrm>
+          <a:prstGeom prst="rect">
+            <a:avLst/>
+          </a:prstGeom>
+        </p:spPr>
+      </p:pic>
+      <p:pic>
+        <p:nvPicPr>
+          <p:cNvPr id="21" name="图片 20"/>
+          <p:cNvPicPr>
+            <a:picLocks noChangeAspect="1"/>
+          </p:cNvPicPr>
+          <p:nvPr/>
+        </p:nvPicPr>
+        <p:blipFill>
+          <a:blip r:embed="rId2"/>
+          <a:stretch>
+            <a:fillRect/>
+          </a:stretch>
+        </p:blipFill>
+        <p:spPr>
+          <a:xfrm>
+            <a:off x="6154133" y="2629549"/>
+            <a:ext cx="303472" cy="328762"/>
+          </a:xfrm>
+          <a:prstGeom prst="rect">
+            <a:avLst/>
+          </a:prstGeom>
+        </p:spPr>
+      </p:pic>
+      <p:pic>
+        <p:nvPicPr>
+          <p:cNvPr id="22" name="图片 21"/>
+          <p:cNvPicPr>
+            <a:picLocks noChangeAspect="1"/>
+          </p:cNvPicPr>
+          <p:nvPr/>
+        </p:nvPicPr>
+        <p:blipFill>
+          <a:blip r:embed="rId2"/>
+          <a:stretch>
+            <a:fillRect/>
+          </a:stretch>
+        </p:blipFill>
+        <p:spPr>
+          <a:xfrm>
+            <a:off x="5850661" y="2645134"/>
+            <a:ext cx="303472" cy="328762"/>
+          </a:xfrm>
+          <a:prstGeom prst="rect">
+            <a:avLst/>
+          </a:prstGeom>
+        </p:spPr>
+      </p:pic>
+      <p:pic>
+        <p:nvPicPr>
+          <p:cNvPr id="23" name="图片 22"/>
+          <p:cNvPicPr>
+            <a:picLocks noChangeAspect="1"/>
+          </p:cNvPicPr>
+          <p:nvPr/>
+        </p:nvPicPr>
+        <p:blipFill>
+          <a:blip r:embed="rId2"/>
+          <a:stretch>
+            <a:fillRect/>
+          </a:stretch>
+        </p:blipFill>
+        <p:spPr>
+          <a:xfrm>
+            <a:off x="5942981" y="3021013"/>
+            <a:ext cx="303472" cy="328762"/>
+          </a:xfrm>
+          <a:prstGeom prst="rect">
+            <a:avLst/>
+          </a:prstGeom>
+        </p:spPr>
+      </p:pic>
+      <p:pic>
+        <p:nvPicPr>
+          <p:cNvPr id="24" name="图片 23"/>
+          <p:cNvPicPr>
+            <a:picLocks noChangeAspect="1"/>
+          </p:cNvPicPr>
+          <p:nvPr/>
+        </p:nvPicPr>
+        <p:blipFill>
+          <a:blip r:embed="rId2"/>
+          <a:stretch>
+            <a:fillRect/>
+          </a:stretch>
+        </p:blipFill>
+        <p:spPr>
+          <a:xfrm>
+            <a:off x="6266173" y="3011121"/>
+            <a:ext cx="303472" cy="328762"/>
+          </a:xfrm>
+          <a:prstGeom prst="rect">
+            <a:avLst/>
+          </a:prstGeom>
+        </p:spPr>
+      </p:pic>
+      <p:pic>
+        <p:nvPicPr>
+          <p:cNvPr id="25" name="图片 24"/>
+          <p:cNvPicPr>
+            <a:picLocks noChangeAspect="1"/>
+          </p:cNvPicPr>
+          <p:nvPr/>
+        </p:nvPicPr>
+        <p:blipFill>
+          <a:blip r:embed="rId2"/>
+          <a:stretch>
+            <a:fillRect/>
+          </a:stretch>
+        </p:blipFill>
+        <p:spPr>
+          <a:xfrm>
+            <a:off x="5619788" y="3006001"/>
+            <a:ext cx="303472" cy="328762"/>
+          </a:xfrm>
+          <a:prstGeom prst="rect">
+            <a:avLst/>
+          </a:prstGeom>
+        </p:spPr>
+      </p:pic>
+      <p:cxnSp>
+        <p:nvCxnSpPr>
+          <p:cNvPr id="29" name="直接箭头连接符 28"/>
+          <p:cNvCxnSpPr/>
+          <p:nvPr/>
+        </p:nvCxnSpPr>
+        <p:spPr bwMode="auto">
+          <a:xfrm>
+            <a:off x="2157508" y="1552505"/>
+            <a:ext cx="10506" cy="1781504"/>
+          </a:xfrm>
+          <a:prstGeom prst="straightConnector1">
+            <a:avLst/>
+          </a:prstGeom>
+          <a:solidFill>
+            <a:srgbClr val="B9DCFF"/>
+          </a:solidFill>
+          <a:ln w="38100">
+            <a:solidFill>
+              <a:srgbClr val="00B0F0"/>
+            </a:solidFill>
+            <a:headEnd type="none" w="med" len="med"/>
+            <a:tailEnd type="arrow" w="med" len="med"/>
+          </a:ln>
+        </p:spPr>
+      </p:cxnSp>
     </p:spTree>
+    <p:extLst>
+      <p:ext uri="{BB962C8B-B14F-4D97-AF65-F5344CB8AC3E}">
+        <p14:creationId xmlns:p14="http://schemas.microsoft.com/office/powerpoint/2010/main" val="2606480746"/>
+      </p:ext>
+    </p:extLst>
   </p:cSld>
   <p:clrMapOvr>
     <a:masterClrMapping/>
